--- a/포트폴리오 연습.pptx
+++ b/포트폴리오 연습.pptx
@@ -5,10 +5,10 @@
     <p:sldMasterId id="2147483648" r:id="rId1"/>
   </p:sldMasterIdLst>
   <p:notesMasterIdLst>
-    <p:notesMasterId r:id="rId15"/>
+    <p:notesMasterId r:id="rId17"/>
   </p:notesMasterIdLst>
   <p:handoutMasterIdLst>
-    <p:handoutMasterId r:id="rId16"/>
+    <p:handoutMasterId r:id="rId18"/>
   </p:handoutMasterIdLst>
   <p:sldIdLst>
     <p:sldId id="256" r:id="rId2"/>
@@ -24,6 +24,8 @@
     <p:sldId id="280" r:id="rId12"/>
     <p:sldId id="282" r:id="rId13"/>
     <p:sldId id="283" r:id="rId14"/>
+    <p:sldId id="286" r:id="rId15"/>
+    <p:sldId id="287" r:id="rId16"/>
   </p:sldIdLst>
   <p:sldSz cx="12192000" cy="6858000"/>
   <p:notesSz cx="6797675" cy="9926638"/>
@@ -144,6 +146,8 @@
             <p14:sldId id="280"/>
             <p14:sldId id="282"/>
             <p14:sldId id="283"/>
+            <p14:sldId id="286"/>
+            <p14:sldId id="287"/>
           </p14:sldIdLst>
         </p14:section>
       </p14:sectionLst>
@@ -376,7 +380,7 @@
           <a:p>
             <a:fld id="{98FBB39A-9110-43FD-8DF2-684D1523A0BC}" type="datetime1">
               <a:rPr lang="ko-KR" altLang="en-US" smtClean="0"/>
-              <a:t>2021-02-19</a:t>
+              <a:t>2021-02-20</a:t>
             </a:fld>
             <a:endParaRPr lang="ko-KR" altLang="en-US"/>
           </a:p>
@@ -1396,7 +1400,7 @@
           </a:ln>
           <a:extLst>
             <a:ext uri="{C572A759-6A51-4108-AA02-DFA0A04FC94B}">
-              <ma14:wrappingTextBoxFlag xmlns:ma14="http://schemas.microsoft.com/office/mac/drawingml/2011/main" xmlns:a14="http://schemas.microsoft.com/office/drawing/2010/main" xmlns:m="http://schemas.openxmlformats.org/officeDocument/2006/math" xmlns="" val="1"/>
+              <ma14:wrappingTextBoxFlag xmlns="" xmlns:m="http://schemas.openxmlformats.org/officeDocument/2006/math" xmlns:a14="http://schemas.microsoft.com/office/drawing/2010/main" xmlns:ma14="http://schemas.microsoft.com/office/mac/drawingml/2011/main" val="1"/>
             </a:ext>
           </a:extLst>
         </p:spPr>
@@ -1499,7 +1503,7 @@
           </a:ln>
           <a:extLst>
             <a:ext uri="{C572A759-6A51-4108-AA02-DFA0A04FC94B}">
-              <ma14:wrappingTextBoxFlag xmlns:ma14="http://schemas.microsoft.com/office/mac/drawingml/2011/main" xmlns:a14="http://schemas.microsoft.com/office/drawing/2010/main" xmlns:m="http://schemas.openxmlformats.org/officeDocument/2006/math" xmlns="" val="1"/>
+              <ma14:wrappingTextBoxFlag xmlns="" xmlns:m="http://schemas.openxmlformats.org/officeDocument/2006/math" xmlns:a14="http://schemas.microsoft.com/office/drawing/2010/main" xmlns:ma14="http://schemas.microsoft.com/office/mac/drawingml/2011/main" val="1"/>
             </a:ext>
           </a:extLst>
         </p:spPr>
@@ -3460,14 +3464,14 @@
           <p:nvPr>
             <p:extLst>
               <p:ext uri="{D42A27DB-BD31-4B8C-83A1-F6EECF244321}">
-                <p14:modId xmlns:p14="http://schemas.microsoft.com/office/powerpoint/2010/main" val="3010598645"/>
+                <p14:modId xmlns:p14="http://schemas.microsoft.com/office/powerpoint/2010/main" val="2900363221"/>
               </p:ext>
             </p:extLst>
           </p:nvPr>
         </p:nvGraphicFramePr>
         <p:xfrm>
           <a:off x="8688288" y="476672"/>
-          <a:ext cx="3384376" cy="2011525"/>
+          <a:ext cx="3384376" cy="2533992"/>
         </p:xfrm>
         <a:graphic>
           <a:graphicData uri="http://schemas.openxmlformats.org/drawingml/2006/table">
@@ -3929,7 +3933,7 @@
                   </a:ext>
                 </a:extLst>
               </a:tr>
-              <a:tr h="241592">
+              <a:tr h="120796">
                 <a:tc>
                   <a:txBody>
                     <a:bodyPr/>
@@ -4029,7 +4033,7 @@
                           </a:solidFill>
                           <a:latin typeface="+mn-ea"/>
                         </a:rPr>
-                        <a:t>클릭 시 아이디</a:t>
+                        <a:t>클릭 시 아이디 찾기 페이지로 이동 합니다</a:t>
                       </a:r>
                       <a:r>
                         <a:rPr kumimoji="1" lang="en-US" altLang="ko-KR" sz="850" dirty="0">
@@ -4038,7 +4042,7 @@
                           </a:solidFill>
                           <a:latin typeface="+mn-ea"/>
                         </a:rPr>
-                        <a:t>/</a:t>
+                        <a:t>(Page.12</a:t>
                       </a:r>
                       <a:r>
                         <a:rPr kumimoji="1" lang="ko-KR" altLang="en-US" sz="850" dirty="0">
@@ -4047,7 +4051,7 @@
                           </a:solidFill>
                           <a:latin typeface="+mn-ea"/>
                         </a:rPr>
-                        <a:t>비밀번호 찾기 페이지로 이동 합니다</a:t>
+                        <a:t> 참조</a:t>
                       </a:r>
                       <a:r>
                         <a:rPr kumimoji="1" lang="en-US" altLang="ko-KR" sz="850" dirty="0">
@@ -4056,14 +4060,8 @@
                           </a:solidFill>
                           <a:latin typeface="+mn-ea"/>
                         </a:rPr>
-                        <a:t>.</a:t>
+                        <a:t>).</a:t>
                       </a:r>
-                      <a:endParaRPr kumimoji="1" lang="ko-KR" altLang="en-US" sz="850" dirty="0">
-                        <a:solidFill>
-                          <a:schemeClr val="tx1"/>
-                        </a:solidFill>
-                        <a:latin typeface="+mn-ea"/>
-                      </a:endParaRPr>
                     </a:p>
                   </a:txBody>
                   <a:tcPr anchor="ctr">
@@ -4119,7 +4117,7 @@
                   </a:ext>
                 </a:extLst>
               </a:tr>
-              <a:tr h="241592">
+              <a:tr h="120796">
                 <a:tc>
                   <a:txBody>
                     <a:bodyPr/>
@@ -4195,6 +4193,215 @@
                     <a:bodyPr/>
                     <a:lstStyle/>
                     <a:p>
+                      <a:pPr marL="0" marR="0" lvl="0" indent="0" algn="just" defTabSz="914400" rtl="0" eaLnBrk="1" fontAlgn="auto" latinLnBrk="1" hangingPunct="1">
+                        <a:lnSpc>
+                          <a:spcPct val="120000"/>
+                        </a:lnSpc>
+                        <a:spcBef>
+                          <a:spcPts val="0"/>
+                        </a:spcBef>
+                        <a:spcAft>
+                          <a:spcPts val="0"/>
+                        </a:spcAft>
+                        <a:buClrTx/>
+                        <a:buSzTx/>
+                        <a:buFontTx/>
+                        <a:buNone/>
+                        <a:tabLst/>
+                        <a:defRPr/>
+                      </a:pPr>
+                      <a:r>
+                        <a:rPr kumimoji="1" lang="ko-KR" altLang="en-US" sz="850" dirty="0">
+                          <a:solidFill>
+                            <a:schemeClr val="tx1"/>
+                          </a:solidFill>
+                          <a:latin typeface="+mn-ea"/>
+                        </a:rPr>
+                        <a:t>클릭 시 비밀번호 찾기 페이지로 이동 합니다</a:t>
+                      </a:r>
+                      <a:endParaRPr kumimoji="1" lang="en-US" altLang="ko-KR" sz="850" dirty="0">
+                        <a:solidFill>
+                          <a:schemeClr val="tx1"/>
+                        </a:solidFill>
+                        <a:latin typeface="+mn-ea"/>
+                      </a:endParaRPr>
+                    </a:p>
+                    <a:p>
+                      <a:pPr marL="0" marR="0" lvl="0" indent="0" algn="just" defTabSz="914400" rtl="0" eaLnBrk="1" fontAlgn="auto" latinLnBrk="1" hangingPunct="1">
+                        <a:lnSpc>
+                          <a:spcPct val="120000"/>
+                        </a:lnSpc>
+                        <a:spcBef>
+                          <a:spcPts val="0"/>
+                        </a:spcBef>
+                        <a:spcAft>
+                          <a:spcPts val="0"/>
+                        </a:spcAft>
+                        <a:buClrTx/>
+                        <a:buSzTx/>
+                        <a:buFontTx/>
+                        <a:buNone/>
+                        <a:tabLst/>
+                        <a:defRPr/>
+                      </a:pPr>
+                      <a:r>
+                        <a:rPr kumimoji="1" lang="en-US" altLang="ko-KR" sz="850" dirty="0">
+                          <a:solidFill>
+                            <a:schemeClr val="tx1"/>
+                          </a:solidFill>
+                          <a:latin typeface="+mn-ea"/>
+                        </a:rPr>
+                        <a:t>(Page.14 </a:t>
+                      </a:r>
+                      <a:r>
+                        <a:rPr kumimoji="1" lang="ko-KR" altLang="en-US" sz="850" dirty="0">
+                          <a:solidFill>
+                            <a:schemeClr val="tx1"/>
+                          </a:solidFill>
+                          <a:latin typeface="+mn-ea"/>
+                        </a:rPr>
+                        <a:t>참조</a:t>
+                      </a:r>
+                      <a:r>
+                        <a:rPr kumimoji="1" lang="en-US" altLang="ko-KR" sz="850" dirty="0">
+                          <a:solidFill>
+                            <a:schemeClr val="tx1"/>
+                          </a:solidFill>
+                          <a:latin typeface="+mn-ea"/>
+                        </a:rPr>
+                        <a:t>).</a:t>
+                      </a:r>
+                    </a:p>
+                  </a:txBody>
+                  <a:tcPr anchor="ctr">
+                    <a:lnL w="3175" cap="flat" cmpd="sng" algn="ctr">
+                      <a:solidFill>
+                        <a:schemeClr val="tx1">
+                          <a:lumMod val="50000"/>
+                          <a:lumOff val="50000"/>
+                        </a:schemeClr>
+                      </a:solidFill>
+                      <a:prstDash val="solid"/>
+                      <a:round/>
+                      <a:headEnd type="none" w="med" len="med"/>
+                      <a:tailEnd type="none" w="med" len="med"/>
+                    </a:lnL>
+                    <a:lnR w="3175" cap="flat" cmpd="sng" algn="ctr">
+                      <a:noFill/>
+                      <a:prstDash val="solid"/>
+                      <a:round/>
+                      <a:headEnd type="none" w="med" len="med"/>
+                      <a:tailEnd type="none" w="med" len="med"/>
+                    </a:lnR>
+                    <a:lnT w="3175" cap="flat" cmpd="sng" algn="ctr">
+                      <a:solidFill>
+                        <a:schemeClr val="tx1">
+                          <a:lumMod val="50000"/>
+                          <a:lumOff val="50000"/>
+                        </a:schemeClr>
+                      </a:solidFill>
+                      <a:prstDash val="solid"/>
+                      <a:round/>
+                      <a:headEnd type="none" w="med" len="med"/>
+                      <a:tailEnd type="none" w="med" len="med"/>
+                    </a:lnT>
+                    <a:lnB w="3175" cap="flat" cmpd="sng" algn="ctr">
+                      <a:solidFill>
+                        <a:schemeClr val="tx1">
+                          <a:lumMod val="50000"/>
+                          <a:lumOff val="50000"/>
+                        </a:schemeClr>
+                      </a:solidFill>
+                      <a:prstDash val="solid"/>
+                      <a:round/>
+                      <a:headEnd type="none" w="med" len="med"/>
+                      <a:tailEnd type="none" w="med" len="med"/>
+                    </a:lnB>
+                    <a:noFill/>
+                  </a:tcPr>
+                </a:tc>
+                <a:extLst>
+                  <a:ext uri="{0D108BD9-81ED-4DB2-BD59-A6C34878D82A}">
+                    <a16:rowId xmlns:a16="http://schemas.microsoft.com/office/drawing/2014/main" val="1066951851"/>
+                  </a:ext>
+                </a:extLst>
+              </a:tr>
+              <a:tr h="241592">
+                <a:tc>
+                  <a:txBody>
+                    <a:bodyPr/>
+                    <a:lstStyle/>
+                    <a:p>
+                      <a:pPr algn="ctr" latinLnBrk="1">
+                        <a:lnSpc>
+                          <a:spcPct val="120000"/>
+                        </a:lnSpc>
+                      </a:pPr>
+                      <a:r>
+                        <a:rPr lang="en-US" altLang="ko-KR" sz="850" b="0" dirty="0">
+                          <a:latin typeface="+mn-ea"/>
+                          <a:ea typeface="+mn-ea"/>
+                        </a:rPr>
+                        <a:t>4</a:t>
+                      </a:r>
+                      <a:endParaRPr lang="ko-KR" altLang="en-US" sz="850" b="0" dirty="0">
+                        <a:latin typeface="+mn-ea"/>
+                        <a:ea typeface="+mn-ea"/>
+                      </a:endParaRPr>
+                    </a:p>
+                  </a:txBody>
+                  <a:tcPr anchor="ctr">
+                    <a:lnL w="3175" cap="flat" cmpd="sng" algn="ctr">
+                      <a:noFill/>
+                      <a:prstDash val="solid"/>
+                      <a:round/>
+                      <a:headEnd type="none" w="med" len="med"/>
+                      <a:tailEnd type="none" w="med" len="med"/>
+                    </a:lnL>
+                    <a:lnR w="3175" cap="flat" cmpd="sng" algn="ctr">
+                      <a:solidFill>
+                        <a:schemeClr val="tx1">
+                          <a:lumMod val="50000"/>
+                          <a:lumOff val="50000"/>
+                        </a:schemeClr>
+                      </a:solidFill>
+                      <a:prstDash val="solid"/>
+                      <a:round/>
+                      <a:headEnd type="none" w="med" len="med"/>
+                      <a:tailEnd type="none" w="med" len="med"/>
+                    </a:lnR>
+                    <a:lnT w="3175" cap="flat" cmpd="sng" algn="ctr">
+                      <a:solidFill>
+                        <a:schemeClr val="tx1">
+                          <a:lumMod val="50000"/>
+                          <a:lumOff val="50000"/>
+                        </a:schemeClr>
+                      </a:solidFill>
+                      <a:prstDash val="solid"/>
+                      <a:round/>
+                      <a:headEnd type="none" w="med" len="med"/>
+                      <a:tailEnd type="none" w="med" len="med"/>
+                    </a:lnT>
+                    <a:lnB w="3175" cap="flat" cmpd="sng" algn="ctr">
+                      <a:solidFill>
+                        <a:schemeClr val="tx1">
+                          <a:lumMod val="50000"/>
+                          <a:lumOff val="50000"/>
+                        </a:schemeClr>
+                      </a:solidFill>
+                      <a:prstDash val="solid"/>
+                      <a:round/>
+                      <a:headEnd type="none" w="med" len="med"/>
+                      <a:tailEnd type="none" w="med" len="med"/>
+                    </a:lnB>
+                    <a:noFill/>
+                  </a:tcPr>
+                </a:tc>
+                <a:tc>
+                  <a:txBody>
+                    <a:bodyPr/>
+                    <a:lstStyle/>
+                    <a:p>
                       <a:pPr algn="just" latinLnBrk="1">
                         <a:lnSpc>
                           <a:spcPct val="120000"/>
@@ -4207,12 +4414,37 @@
                         </a:rPr>
                         <a:t>입력한 정보가 올바른 경우 메인 페이지로 이동합니다</a:t>
                       </a:r>
+                      <a:endParaRPr lang="en-US" altLang="ko-KR" sz="850" b="0" dirty="0">
+                        <a:latin typeface="+mn-ea"/>
+                        <a:ea typeface="+mn-ea"/>
+                      </a:endParaRPr>
+                    </a:p>
+                    <a:p>
+                      <a:pPr algn="just" latinLnBrk="1">
+                        <a:lnSpc>
+                          <a:spcPct val="120000"/>
+                        </a:lnSpc>
+                      </a:pPr>
                       <a:r>
                         <a:rPr lang="en-US" altLang="ko-KR" sz="850" b="0" dirty="0">
                           <a:latin typeface="+mn-ea"/>
                           <a:ea typeface="+mn-ea"/>
                         </a:rPr>
-                        <a:t>.</a:t>
+                        <a:t>(Page.6 </a:t>
+                      </a:r>
+                      <a:r>
+                        <a:rPr lang="ko-KR" altLang="en-US" sz="850" b="0" dirty="0">
+                          <a:latin typeface="+mn-ea"/>
+                          <a:ea typeface="+mn-ea"/>
+                        </a:rPr>
+                        <a:t>참조</a:t>
+                      </a:r>
+                      <a:r>
+                        <a:rPr lang="en-US" altLang="ko-KR" sz="850" b="0" dirty="0">
+                          <a:latin typeface="+mn-ea"/>
+                          <a:ea typeface="+mn-ea"/>
+                        </a:rPr>
+                        <a:t>)</a:t>
                       </a:r>
                       <a:endParaRPr lang="ko-KR" altLang="en-US" sz="850" b="0" dirty="0">
                         <a:latin typeface="+mn-ea"/>
@@ -4289,7 +4521,7 @@
                           <a:latin typeface="+mn-ea"/>
                           <a:ea typeface="+mn-ea"/>
                         </a:rPr>
-                        <a:t>4</a:t>
+                        <a:t>5</a:t>
                       </a:r>
                       <a:endParaRPr lang="ko-KR" altLang="en-US" sz="850" b="0" dirty="0">
                         <a:latin typeface="+mn-ea"/>
@@ -4495,19 +4727,19 @@
       </p:sp>
       <p:pic>
         <p:nvPicPr>
-          <p:cNvPr id="10" name="그림 9">
+          <p:cNvPr id="3" name="그림 2">
             <a:extLst>
               <a:ext uri="{FF2B5EF4-FFF2-40B4-BE49-F238E27FC236}">
-                <a16:creationId xmlns:a16="http://schemas.microsoft.com/office/drawing/2014/main" id="{FC248286-5ED9-4E83-947E-882442A94317}"/>
+                <a16:creationId xmlns:a16="http://schemas.microsoft.com/office/drawing/2014/main" id="{07E25D57-644B-4068-85C4-0BF731C19EFD}"/>
               </a:ext>
             </a:extLst>
           </p:cNvPr>
-          <p:cNvPicPr>
-            <a:picLocks noChangeAspect="1"/>
+          <p:cNvPicPr preferRelativeResize="0">
+            <a:picLocks/>
           </p:cNvPicPr>
           <p:nvPr/>
         </p:nvPicPr>
-        <p:blipFill rotWithShape="1">
+        <p:blipFill>
           <a:blip r:embed="rId2">
             <a:extLst>
               <a:ext uri="{28A0092B-C50C-407E-A947-70E740481C1C}">
@@ -4515,13 +4747,14 @@
               </a:ext>
             </a:extLst>
           </a:blip>
-          <a:srcRect t="6951" b="4850"/>
-          <a:stretch/>
+          <a:stretch>
+            <a:fillRect/>
+          </a:stretch>
         </p:blipFill>
         <p:spPr>
           <a:xfrm>
-            <a:off x="118003" y="764704"/>
-            <a:ext cx="8418286" cy="4176464"/>
+            <a:off x="34514" y="764704"/>
+            <a:ext cx="8488800" cy="4320000"/>
           </a:xfrm>
           <a:prstGeom prst="rect">
             <a:avLst/>
@@ -4555,7 +4788,7 @@
         </p:blipFill>
         <p:spPr>
           <a:xfrm>
-            <a:off x="3287688" y="2401666"/>
+            <a:off x="2953261" y="2818714"/>
             <a:ext cx="144016" cy="195337"/>
           </a:xfrm>
           <a:prstGeom prst="rect">
@@ -4590,7 +4823,7 @@
         </p:blipFill>
         <p:spPr>
           <a:xfrm>
-            <a:off x="3935760" y="2424502"/>
+            <a:off x="3287688" y="2822108"/>
             <a:ext cx="116716" cy="195337"/>
           </a:xfrm>
           <a:prstGeom prst="rect">
@@ -4625,7 +4858,7 @@
         </p:blipFill>
         <p:spPr>
           <a:xfrm>
-            <a:off x="3938362" y="2767899"/>
+            <a:off x="3776099" y="2852936"/>
             <a:ext cx="126915" cy="170073"/>
           </a:xfrm>
           <a:prstGeom prst="rect">
@@ -4660,8 +4893,43 @@
         </p:blipFill>
         <p:spPr>
           <a:xfrm>
-            <a:off x="3287688" y="1988840"/>
+            <a:off x="2855640" y="2380197"/>
             <a:ext cx="108000" cy="216000"/>
+          </a:xfrm>
+          <a:prstGeom prst="rect">
+            <a:avLst/>
+          </a:prstGeom>
+        </p:spPr>
+      </p:pic>
+      <p:pic>
+        <p:nvPicPr>
+          <p:cNvPr id="9" name="그림 8">
+            <a:extLst>
+              <a:ext uri="{FF2B5EF4-FFF2-40B4-BE49-F238E27FC236}">
+                <a16:creationId xmlns:a16="http://schemas.microsoft.com/office/drawing/2014/main" id="{F9C8A9C8-AEE2-4DF4-A2AB-25507B61D716}"/>
+              </a:ext>
+            </a:extLst>
+          </p:cNvPr>
+          <p:cNvPicPr>
+            <a:picLocks noChangeAspect="1"/>
+          </p:cNvPicPr>
+          <p:nvPr/>
+        </p:nvPicPr>
+        <p:blipFill rotWithShape="1">
+          <a:blip r:embed="rId7" cstate="print">
+            <a:extLst>
+              <a:ext uri="{28A0092B-C50C-407E-A947-70E740481C1C}">
+                <a14:useLocalDpi xmlns:a14="http://schemas.microsoft.com/office/drawing/2010/main" val="0"/>
+              </a:ext>
+            </a:extLst>
+          </a:blip>
+          <a:srcRect l="89900" t="11151" r="2750" b="77299"/>
+          <a:stretch/>
+        </p:blipFill>
+        <p:spPr>
+          <a:xfrm>
+            <a:off x="3795630" y="3186919"/>
+            <a:ext cx="108228" cy="170073"/>
           </a:xfrm>
           <a:prstGeom prst="rect">
             <a:avLst/>
@@ -4721,7 +4989,7 @@
           <a:p>
             <a:r>
               <a:rPr lang="en-US" altLang="ko-KR" dirty="0"/>
-              <a:t>find.html</a:t>
+              <a:t>findId.html</a:t>
             </a:r>
             <a:endParaRPr lang="ko-KR" altLang="en-US" dirty="0"/>
           </a:p>
@@ -4770,7 +5038,7 @@
           <p:nvPr>
             <p:extLst>
               <p:ext uri="{D42A27DB-BD31-4B8C-83A1-F6EECF244321}">
-                <p14:modId xmlns:p14="http://schemas.microsoft.com/office/powerpoint/2010/main" val="4234471048"/>
+                <p14:modId xmlns:p14="http://schemas.microsoft.com/office/powerpoint/2010/main" val="2174997363"/>
               </p:ext>
             </p:extLst>
           </p:nvPr>
@@ -4855,7 +5123,7 @@
                           <a:ea typeface="+mn-ea"/>
                           <a:sym typeface="맑은 고딕"/>
                         </a:rPr>
-                        <a:t>/</a:t>
+                        <a:t> </a:t>
                       </a:r>
                       <a:r>
                         <a:rPr lang="ko-KR" altLang="en-US" sz="900" b="1" dirty="0">
@@ -4866,7 +5134,7 @@
                           <a:ea typeface="+mn-ea"/>
                           <a:sym typeface="맑은 고딕"/>
                         </a:rPr>
-                        <a:t>비밀번호 찾기 페이지</a:t>
+                        <a:t>찾기 페이지</a:t>
                       </a:r>
                       <a:endParaRPr lang="en" altLang="ko-KR" sz="900" b="1" dirty="0">
                         <a:solidFill>
@@ -5028,48 +5296,7 @@
                           <a:ea typeface="+mn-ea"/>
                           <a:sym typeface="맑은 고딕"/>
                         </a:rPr>
-                        <a:t>이메일 인증을 통해 아이디를 찾을 수 있습니다</a:t>
-                      </a:r>
-                      <a:r>
-                        <a:rPr lang="en-US" altLang="ko-KR" sz="800" b="0" dirty="0">
-                          <a:solidFill>
-                            <a:schemeClr val="tx1"/>
-                          </a:solidFill>
-                          <a:latin typeface="+mn-ea"/>
-                          <a:ea typeface="+mn-ea"/>
-                          <a:sym typeface="맑은 고딕"/>
-                        </a:rPr>
-                        <a:t>.</a:t>
-                      </a:r>
-                    </a:p>
-                    <a:p>
-                      <a:pPr marL="108000" marR="0" lvl="0" indent="-108000" algn="just" defTabSz="914400" rtl="0" eaLnBrk="1" fontAlgn="auto" latinLnBrk="1" hangingPunct="1">
-                        <a:lnSpc>
-                          <a:spcPct val="120000"/>
-                        </a:lnSpc>
-                        <a:spcBef>
-                          <a:spcPts val="0"/>
-                        </a:spcBef>
-                        <a:spcAft>
-                          <a:spcPts val="0"/>
-                        </a:spcAft>
-                        <a:buClrTx/>
-                        <a:buSzTx/>
-                        <a:buFont typeface="Arial" panose="020B0604020202020204" pitchFamily="34" charset="0"/>
-                        <a:buChar char="•"/>
-                        <a:tabLst/>
-                        <a:defRPr/>
-                      </a:pPr>
-                      <a:r>
-                        <a:rPr lang="ko-KR" altLang="en-US" sz="800" b="0" dirty="0">
-                          <a:solidFill>
-                            <a:schemeClr val="tx1"/>
-                          </a:solidFill>
-                          <a:latin typeface="+mn-ea"/>
-                          <a:ea typeface="+mn-ea"/>
-                          <a:sym typeface="맑은 고딕"/>
-                        </a:rPr>
-                        <a:t>아이디와 이메일 인증을 통해 비밀번호를 찾을 수 있습니다</a:t>
+                        <a:t>핸드폰 번호 인증을 통해 가입 되어있는 아이디를 찾을 수 있습니다</a:t>
                       </a:r>
                       <a:r>
                         <a:rPr lang="en-US" altLang="ko-KR" sz="800" b="0" dirty="0">
@@ -5234,7 +5461,7 @@
                           <a:latin typeface="+mn-ea"/>
                           <a:ea typeface="+mn-ea"/>
                         </a:rPr>
-                        <a:t>이메일과 이메일로 발송된 인증번호를 작성합니다</a:t>
+                        <a:t>핸드폰 번호와 인증 번호를 작성 합니다</a:t>
                       </a:r>
                       <a:r>
                         <a:rPr lang="en-US" altLang="ko-KR" sz="850" b="0" dirty="0">
@@ -5402,7 +5629,7 @@
                           </a:solidFill>
                           <a:latin typeface="+mn-ea"/>
                         </a:rPr>
-                        <a:t>입력한 이메일로 알림 창과 함께 인증번호가 발송됩니다</a:t>
+                        <a:t>입력한 핸드폰 번호로 인증 번호가 발송 됩니다</a:t>
                       </a:r>
                       <a:r>
                         <a:rPr kumimoji="1" lang="en-US" altLang="ko-KR" sz="850" dirty="0">
@@ -5726,21 +5953,7 @@
                           <a:latin typeface="+mn-ea"/>
                           <a:ea typeface="+mn-ea"/>
                         </a:rPr>
-                        <a:t>인증번호가 일치한다면 클릭 시 아이디</a:t>
-                      </a:r>
-                      <a:r>
-                        <a:rPr lang="en-US" altLang="ko-KR" sz="850" b="0" dirty="0">
-                          <a:latin typeface="+mn-ea"/>
-                          <a:ea typeface="+mn-ea"/>
-                        </a:rPr>
-                        <a:t>/</a:t>
-                      </a:r>
-                      <a:r>
-                        <a:rPr lang="ko-KR" altLang="en-US" sz="850" b="0" dirty="0">
-                          <a:latin typeface="+mn-ea"/>
-                          <a:ea typeface="+mn-ea"/>
-                        </a:rPr>
-                        <a:t>비밀번호 찾기 성공 페이지로 이동 합니다</a:t>
+                        <a:t>인증번호가 일치한다면 클릭 시 아이디 찾기 성공 페이지로 이동 합니다</a:t>
                       </a:r>
                       <a:r>
                         <a:rPr lang="en-US" altLang="ko-KR" sz="850" b="0" dirty="0">
@@ -6032,19 +6245,19 @@
       </p:sp>
       <p:pic>
         <p:nvPicPr>
-          <p:cNvPr id="9" name="그림 8" descr="텍스트, 스크린샷, 모니터, 화면이(가) 표시된 사진&#10;&#10;자동 생성된 설명">
+          <p:cNvPr id="3" name="그림 2">
             <a:extLst>
               <a:ext uri="{FF2B5EF4-FFF2-40B4-BE49-F238E27FC236}">
-                <a16:creationId xmlns:a16="http://schemas.microsoft.com/office/drawing/2014/main" id="{10278FD2-D2B4-4B21-993F-1D067F7E06F4}"/>
+                <a16:creationId xmlns:a16="http://schemas.microsoft.com/office/drawing/2014/main" id="{20184304-9520-4637-9B95-E3308944507F}"/>
               </a:ext>
             </a:extLst>
           </p:cNvPr>
-          <p:cNvPicPr>
-            <a:picLocks noChangeAspect="1"/>
+          <p:cNvPicPr preferRelativeResize="0">
+            <a:picLocks/>
           </p:cNvPicPr>
           <p:nvPr/>
         </p:nvPicPr>
-        <p:blipFill rotWithShape="1">
+        <p:blipFill>
           <a:blip r:embed="rId2">
             <a:extLst>
               <a:ext uri="{28A0092B-C50C-407E-A947-70E740481C1C}">
@@ -6052,13 +6265,14 @@
               </a:ext>
             </a:extLst>
           </a:blip>
-          <a:srcRect t="6951" b="4850"/>
-          <a:stretch/>
+          <a:stretch>
+            <a:fillRect/>
+          </a:stretch>
         </p:blipFill>
         <p:spPr>
           <a:xfrm>
-            <a:off x="87253" y="764704"/>
-            <a:ext cx="8418286" cy="4176464"/>
+            <a:off x="55472" y="764704"/>
+            <a:ext cx="8488800" cy="4320000"/>
           </a:xfrm>
           <a:prstGeom prst="rect">
             <a:avLst/>
@@ -6067,10 +6281,10 @@
       </p:pic>
       <p:pic>
         <p:nvPicPr>
-          <p:cNvPr id="11" name="그림 10">
+          <p:cNvPr id="15" name="그림 14">
             <a:extLst>
               <a:ext uri="{FF2B5EF4-FFF2-40B4-BE49-F238E27FC236}">
-                <a16:creationId xmlns:a16="http://schemas.microsoft.com/office/drawing/2014/main" id="{3D893998-D368-4307-8821-525C354267CE}"/>
+                <a16:creationId xmlns:a16="http://schemas.microsoft.com/office/drawing/2014/main" id="{CF020DFE-A0AF-4049-883C-1D2D5413C01A}"/>
               </a:ext>
             </a:extLst>
           </p:cNvPr>
@@ -6087,13 +6301,13 @@
               </a:ext>
             </a:extLst>
           </a:blip>
-          <a:srcRect l="156" t="10500" r="85334" b="75850"/>
+          <a:srcRect l="23750" t="11151" r="65750" b="77299"/>
           <a:stretch/>
         </p:blipFill>
         <p:spPr>
           <a:xfrm>
-            <a:off x="2744063" y="2191240"/>
-            <a:ext cx="108000" cy="101597"/>
+            <a:off x="5087888" y="2225551"/>
+            <a:ext cx="144016" cy="195337"/>
           </a:xfrm>
           <a:prstGeom prst="rect">
             <a:avLst/>
@@ -6102,10 +6316,10 @@
       </p:pic>
       <p:pic>
         <p:nvPicPr>
-          <p:cNvPr id="12" name="그림 11">
+          <p:cNvPr id="17" name="그림 16">
             <a:extLst>
               <a:ext uri="{FF2B5EF4-FFF2-40B4-BE49-F238E27FC236}">
-                <a16:creationId xmlns:a16="http://schemas.microsoft.com/office/drawing/2014/main" id="{1DE9866B-36FA-433D-94D2-14E6A7273620}"/>
+                <a16:creationId xmlns:a16="http://schemas.microsoft.com/office/drawing/2014/main" id="{1DAF3A60-097B-4A9C-B1B5-01E4B49714E5}"/>
               </a:ext>
             </a:extLst>
           </p:cNvPr>
@@ -6122,13 +6336,13 @@
               </a:ext>
             </a:extLst>
           </a:blip>
-          <a:srcRect l="23750" t="11151" r="65750" b="77299"/>
+          <a:srcRect l="45800" t="11151" r="44750" b="77299"/>
           <a:stretch/>
         </p:blipFill>
         <p:spPr>
           <a:xfrm>
-            <a:off x="3869971" y="2176174"/>
-            <a:ext cx="108000" cy="101597"/>
+            <a:off x="5123414" y="2636888"/>
+            <a:ext cx="116716" cy="195337"/>
           </a:xfrm>
           <a:prstGeom prst="rect">
             <a:avLst/>
@@ -6137,10 +6351,10 @@
       </p:pic>
       <p:pic>
         <p:nvPicPr>
-          <p:cNvPr id="13" name="그림 12">
+          <p:cNvPr id="18" name="그림 17">
             <a:extLst>
               <a:ext uri="{FF2B5EF4-FFF2-40B4-BE49-F238E27FC236}">
-                <a16:creationId xmlns:a16="http://schemas.microsoft.com/office/drawing/2014/main" id="{BB01AB45-B1A8-4E7D-BFC5-ABE3CEB35033}"/>
+                <a16:creationId xmlns:a16="http://schemas.microsoft.com/office/drawing/2014/main" id="{7FA97CDA-DB38-4CB3-83AE-54E8AC2C6BDE}"/>
               </a:ext>
             </a:extLst>
           </p:cNvPr>
@@ -6157,13 +6371,13 @@
               </a:ext>
             </a:extLst>
           </a:blip>
-          <a:srcRect l="45800" t="11151" r="44750" b="77299"/>
+          <a:srcRect l="67526" t="11434" r="23617" b="77741"/>
           <a:stretch/>
         </p:blipFill>
         <p:spPr>
           <a:xfrm>
-            <a:off x="3869971" y="2439507"/>
-            <a:ext cx="108000" cy="131999"/>
+            <a:off x="3503712" y="2924704"/>
+            <a:ext cx="126915" cy="170073"/>
           </a:xfrm>
           <a:prstGeom prst="rect">
             <a:avLst/>
@@ -6172,10 +6386,10 @@
       </p:pic>
       <p:pic>
         <p:nvPicPr>
-          <p:cNvPr id="14" name="그림 13">
+          <p:cNvPr id="19" name="그림 18">
             <a:extLst>
               <a:ext uri="{FF2B5EF4-FFF2-40B4-BE49-F238E27FC236}">
-                <a16:creationId xmlns:a16="http://schemas.microsoft.com/office/drawing/2014/main" id="{1879F360-2CD3-460B-964E-FF4D7991F41E}"/>
+                <a16:creationId xmlns:a16="http://schemas.microsoft.com/office/drawing/2014/main" id="{522A620E-13BC-4762-95A8-0669B34B1D05}"/>
               </a:ext>
             </a:extLst>
           </p:cNvPr>
@@ -6192,13 +6406,13 @@
               </a:ext>
             </a:extLst>
           </a:blip>
-          <a:srcRect l="67526" t="11434" r="23617" b="77741"/>
+          <a:srcRect l="4056" t="11154" r="89860" b="76678"/>
           <a:stretch/>
         </p:blipFill>
         <p:spPr>
           <a:xfrm>
-            <a:off x="2690063" y="2464377"/>
-            <a:ext cx="108000" cy="131999"/>
+            <a:off x="3215680" y="2420888"/>
+            <a:ext cx="108000" cy="216000"/>
           </a:xfrm>
           <a:prstGeom prst="rect">
             <a:avLst/>
@@ -6207,10 +6421,10 @@
       </p:pic>
       <p:pic>
         <p:nvPicPr>
-          <p:cNvPr id="16" name="그림 15">
+          <p:cNvPr id="20" name="그림 19">
             <a:extLst>
               <a:ext uri="{FF2B5EF4-FFF2-40B4-BE49-F238E27FC236}">
-                <a16:creationId xmlns:a16="http://schemas.microsoft.com/office/drawing/2014/main" id="{E147BFBF-FCE9-4C9B-A2D4-FEF92306D64B}"/>
+                <a16:creationId xmlns:a16="http://schemas.microsoft.com/office/drawing/2014/main" id="{FF7D646A-4279-4ECC-8E5D-869C30545F93}"/>
               </a:ext>
             </a:extLst>
           </p:cNvPr>
@@ -6227,13 +6441,13 @@
               </a:ext>
             </a:extLst>
           </a:blip>
-          <a:srcRect l="89899" t="11151" r="2751" b="77299"/>
+          <a:srcRect l="89900" t="11151" r="2750" b="77299"/>
           <a:stretch/>
         </p:blipFill>
         <p:spPr>
           <a:xfrm>
-            <a:off x="4583832" y="3202603"/>
-            <a:ext cx="108000" cy="169715"/>
+            <a:off x="4871864" y="2942705"/>
+            <a:ext cx="108228" cy="170073"/>
           </a:xfrm>
           <a:prstGeom prst="rect">
             <a:avLst/>
@@ -6293,7 +6507,7 @@
           <a:p>
             <a:r>
               <a:rPr lang="en-US" altLang="ko-KR" dirty="0"/>
-              <a:t>success.html</a:t>
+              <a:t>successId.html</a:t>
             </a:r>
             <a:endParaRPr lang="ko-KR" altLang="en-US" dirty="0"/>
           </a:p>
@@ -6342,7 +6556,7 @@
           <p:nvPr>
             <p:extLst>
               <p:ext uri="{D42A27DB-BD31-4B8C-83A1-F6EECF244321}">
-                <p14:modId xmlns:p14="http://schemas.microsoft.com/office/powerpoint/2010/main" val="596348522"/>
+                <p14:modId xmlns:p14="http://schemas.microsoft.com/office/powerpoint/2010/main" val="3538628958"/>
               </p:ext>
             </p:extLst>
           </p:nvPr>
@@ -6416,10 +6630,10 @@
                           <a:ea typeface="+mn-ea"/>
                           <a:sym typeface="맑은 고딕"/>
                         </a:rPr>
-                        <a:t>아이디</a:t>
+                        <a:t>아이디 </a:t>
                       </a:r>
                       <a:r>
-                        <a:rPr lang="en-US" altLang="ko-KR" sz="900" b="1" dirty="0">
+                        <a:rPr lang="ko-KR" altLang="en-US" sz="900" b="1" dirty="0" err="1">
                           <a:solidFill>
                             <a:srgbClr val="4E5263"/>
                           </a:solidFill>
@@ -6427,7 +6641,7 @@
                           <a:ea typeface="+mn-ea"/>
                           <a:sym typeface="맑은 고딕"/>
                         </a:rPr>
-                        <a:t>/</a:t>
+                        <a:t>찾기성공</a:t>
                       </a:r>
                       <a:r>
                         <a:rPr lang="ko-KR" altLang="en-US" sz="900" b="1" dirty="0">
@@ -6438,7 +6652,7 @@
                           <a:ea typeface="+mn-ea"/>
                           <a:sym typeface="맑은 고딕"/>
                         </a:rPr>
-                        <a:t>비밀번호 찾기 성공 페이지</a:t>
+                        <a:t> 페이지</a:t>
                       </a:r>
                       <a:endParaRPr lang="en" altLang="ko-KR" sz="900" b="1" dirty="0">
                         <a:solidFill>
@@ -6600,89 +6814,7 @@
                           <a:ea typeface="+mn-ea"/>
                           <a:sym typeface="맑은 고딕"/>
                         </a:rPr>
-                        <a:t>아이디</a:t>
-                      </a:r>
-                      <a:r>
-                        <a:rPr lang="en-US" altLang="ko-KR" sz="800" b="0" dirty="0">
-                          <a:solidFill>
-                            <a:schemeClr val="tx1"/>
-                          </a:solidFill>
-                          <a:latin typeface="+mn-ea"/>
-                          <a:ea typeface="+mn-ea"/>
-                          <a:sym typeface="맑은 고딕"/>
-                        </a:rPr>
-                        <a:t>/</a:t>
-                      </a:r>
-                      <a:r>
-                        <a:rPr lang="ko-KR" altLang="en-US" sz="800" b="0" dirty="0">
-                          <a:solidFill>
-                            <a:schemeClr val="tx1"/>
-                          </a:solidFill>
-                          <a:latin typeface="+mn-ea"/>
-                          <a:ea typeface="+mn-ea"/>
-                          <a:sym typeface="맑은 고딕"/>
-                        </a:rPr>
-                        <a:t>비밀번호 찾기에 성공하면 아이디</a:t>
-                      </a:r>
-                      <a:r>
-                        <a:rPr lang="en-US" altLang="ko-KR" sz="800" b="0" dirty="0">
-                          <a:solidFill>
-                            <a:schemeClr val="tx1"/>
-                          </a:solidFill>
-                          <a:latin typeface="+mn-ea"/>
-                          <a:ea typeface="+mn-ea"/>
-                          <a:sym typeface="맑은 고딕"/>
-                        </a:rPr>
-                        <a:t>/</a:t>
-                      </a:r>
-                      <a:r>
-                        <a:rPr lang="ko-KR" altLang="en-US" sz="800" b="0" dirty="0">
-                          <a:solidFill>
-                            <a:schemeClr val="tx1"/>
-                          </a:solidFill>
-                          <a:latin typeface="+mn-ea"/>
-                          <a:ea typeface="+mn-ea"/>
-                          <a:sym typeface="맑은 고딕"/>
-                        </a:rPr>
-                        <a:t>비밀번호가 이메일로</a:t>
-                      </a:r>
-                      <a:endParaRPr lang="en-US" altLang="ko-KR" sz="800" b="0" dirty="0">
-                        <a:solidFill>
-                          <a:schemeClr val="tx1"/>
-                        </a:solidFill>
-                        <a:latin typeface="+mn-ea"/>
-                        <a:ea typeface="+mn-ea"/>
-                        <a:sym typeface="맑은 고딕"/>
-                      </a:endParaRPr>
-                    </a:p>
-                    <a:p>
-                      <a:pPr marL="0" marR="0" lvl="0" indent="0" algn="just" defTabSz="914400" rtl="0" eaLnBrk="1" fontAlgn="auto" latinLnBrk="1" hangingPunct="1">
-                        <a:lnSpc>
-                          <a:spcPct val="120000"/>
-                        </a:lnSpc>
-                        <a:spcBef>
-                          <a:spcPts val="0"/>
-                        </a:spcBef>
-                        <a:spcAft>
-                          <a:spcPts val="0"/>
-                        </a:spcAft>
-                        <a:buClrTx/>
-                        <a:buSzTx/>
-                        <a:buFont typeface="Arial" panose="020B0604020202020204" pitchFamily="34" charset="0"/>
-                        <a:buNone/>
-                        <a:tabLst/>
-                        <a:defRPr/>
-                      </a:pPr>
-                      <a:r>
-                        <a:rPr lang="ko-KR" altLang="en-US" sz="800" b="0" dirty="0">
-                          <a:solidFill>
-                            <a:schemeClr val="tx1"/>
-                          </a:solidFill>
-                          <a:latin typeface="+mn-ea"/>
-                          <a:ea typeface="+mn-ea"/>
-                          <a:sym typeface="맑은 고딕"/>
-                        </a:rPr>
-                        <a:t>    발송되고 이 페이지로 이동 합니다</a:t>
+                        <a:t>입력한 핸드폰 번호로 가입되어 있는 아이디를 제공합니다</a:t>
                       </a:r>
                       <a:r>
                         <a:rPr lang="en-US" altLang="ko-KR" sz="800" b="0" dirty="0">
@@ -6971,19 +7103,19 @@
       </p:sp>
       <p:pic>
         <p:nvPicPr>
-          <p:cNvPr id="3" name="그림 2" descr="텍스트이(가) 표시된 사진&#10;&#10;자동 생성된 설명">
+          <p:cNvPr id="6" name="그림 5" descr="텍스트이(가) 표시된 사진&#10;&#10;자동 생성된 설명">
             <a:extLst>
               <a:ext uri="{FF2B5EF4-FFF2-40B4-BE49-F238E27FC236}">
-                <a16:creationId xmlns:a16="http://schemas.microsoft.com/office/drawing/2014/main" id="{9D4E2FCD-274A-43D7-B9A7-E11356E9FA0D}"/>
+                <a16:creationId xmlns:a16="http://schemas.microsoft.com/office/drawing/2014/main" id="{FEB8D1F9-0724-4411-AAC6-65A508CEE6DF}"/>
               </a:ext>
             </a:extLst>
           </p:cNvPr>
-          <p:cNvPicPr>
-            <a:picLocks noChangeAspect="1"/>
+          <p:cNvPicPr preferRelativeResize="0">
+            <a:picLocks/>
           </p:cNvPicPr>
           <p:nvPr/>
         </p:nvPicPr>
-        <p:blipFill rotWithShape="1">
+        <p:blipFill>
           <a:blip r:embed="rId2">
             <a:extLst>
               <a:ext uri="{28A0092B-C50C-407E-A947-70E740481C1C}">
@@ -6991,13 +7123,14 @@
               </a:ext>
             </a:extLst>
           </a:blip>
-          <a:srcRect t="6985" b="4850"/>
-          <a:stretch/>
+          <a:stretch>
+            <a:fillRect/>
+          </a:stretch>
         </p:blipFill>
         <p:spPr>
           <a:xfrm>
-            <a:off x="94239" y="764704"/>
-            <a:ext cx="8416819" cy="4174114"/>
+            <a:off x="50874" y="764704"/>
+            <a:ext cx="8488800" cy="4320000"/>
           </a:xfrm>
           <a:prstGeom prst="rect">
             <a:avLst/>
@@ -7006,10 +7139,10 @@
       </p:pic>
       <p:pic>
         <p:nvPicPr>
-          <p:cNvPr id="19" name="그림 18">
+          <p:cNvPr id="11" name="그림 10">
             <a:extLst>
               <a:ext uri="{FF2B5EF4-FFF2-40B4-BE49-F238E27FC236}">
-                <a16:creationId xmlns:a16="http://schemas.microsoft.com/office/drawing/2014/main" id="{D40CCE7C-5123-4CB3-B628-22A4171CAEC7}"/>
+                <a16:creationId xmlns:a16="http://schemas.microsoft.com/office/drawing/2014/main" id="{968B8EE7-A2AC-44D9-929B-2DE8DDB586B9}"/>
               </a:ext>
             </a:extLst>
           </p:cNvPr>
@@ -7031,7 +7164,7 @@
         </p:blipFill>
         <p:spPr>
           <a:xfrm>
-            <a:off x="3863752" y="2132856"/>
+            <a:off x="3719736" y="2564904"/>
             <a:ext cx="108000" cy="216000"/>
           </a:xfrm>
           <a:prstGeom prst="rect">
@@ -7043,6 +7176,2616 @@
     <p:extLst>
       <p:ext uri="{BB962C8B-B14F-4D97-AF65-F5344CB8AC3E}">
         <p14:creationId xmlns:p14="http://schemas.microsoft.com/office/powerpoint/2010/main" val="214377622"/>
+      </p:ext>
+    </p:extLst>
+  </p:cSld>
+  <p:clrMapOvr>
+    <a:masterClrMapping/>
+  </p:clrMapOvr>
+</p:sld>
+</file>
+
+<file path=ppt/slides/slide14.xml><?xml version="1.0" encoding="utf-8"?>
+<p:sld xmlns:a="http://schemas.openxmlformats.org/drawingml/2006/main" xmlns:r="http://schemas.openxmlformats.org/officeDocument/2006/relationships" xmlns:p="http://schemas.openxmlformats.org/presentationml/2006/main">
+  <p:cSld>
+    <p:spTree>
+      <p:nvGrpSpPr>
+        <p:cNvPr id="1" name=""/>
+        <p:cNvGrpSpPr/>
+        <p:nvPr/>
+      </p:nvGrpSpPr>
+      <p:grpSpPr>
+        <a:xfrm>
+          <a:off x="0" y="0"/>
+          <a:ext cx="0" cy="0"/>
+          <a:chOff x="0" y="0"/>
+          <a:chExt cx="0" cy="0"/>
+        </a:xfrm>
+      </p:grpSpPr>
+      <p:sp>
+        <p:nvSpPr>
+          <p:cNvPr id="4" name="텍스트 개체 틀 3">
+            <a:extLst>
+              <a:ext uri="{FF2B5EF4-FFF2-40B4-BE49-F238E27FC236}">
+                <a16:creationId xmlns:a16="http://schemas.microsoft.com/office/drawing/2014/main" id="{32E285E0-25D1-4806-B9DF-3590BD92D435}"/>
+              </a:ext>
+            </a:extLst>
+          </p:cNvPr>
+          <p:cNvSpPr>
+            <a:spLocks noGrp="1"/>
+          </p:cNvSpPr>
+          <p:nvPr>
+            <p:ph type="body" sz="quarter" idx="10"/>
+          </p:nvPr>
+        </p:nvSpPr>
+        <p:spPr/>
+        <p:txBody>
+          <a:bodyPr/>
+          <a:lstStyle/>
+          <a:p>
+            <a:r>
+              <a:rPr lang="en-US" altLang="ko-KR" dirty="0"/>
+              <a:t>findPw.html</a:t>
+            </a:r>
+            <a:endParaRPr lang="ko-KR" altLang="en-US" dirty="0"/>
+          </a:p>
+        </p:txBody>
+      </p:sp>
+      <p:sp>
+        <p:nvSpPr>
+          <p:cNvPr id="5" name="텍스트 개체 틀 4">
+            <a:extLst>
+              <a:ext uri="{FF2B5EF4-FFF2-40B4-BE49-F238E27FC236}">
+                <a16:creationId xmlns:a16="http://schemas.microsoft.com/office/drawing/2014/main" id="{181CE6EC-43A5-4409-9C12-1C3782E8CB22}"/>
+              </a:ext>
+            </a:extLst>
+          </p:cNvPr>
+          <p:cNvSpPr>
+            <a:spLocks noGrp="1"/>
+          </p:cNvSpPr>
+          <p:nvPr>
+            <p:ph type="body" sz="quarter" idx="11"/>
+          </p:nvPr>
+        </p:nvSpPr>
+        <p:spPr/>
+        <p:txBody>
+          <a:bodyPr/>
+          <a:lstStyle/>
+          <a:p>
+            <a:r>
+              <a:rPr lang="ko-KR" altLang="en-US" dirty="0"/>
+              <a:t>로그인</a:t>
+            </a:r>
+          </a:p>
+        </p:txBody>
+      </p:sp>
+      <p:graphicFrame>
+        <p:nvGraphicFramePr>
+          <p:cNvPr id="7" name="표 6">
+            <a:extLst>
+              <a:ext uri="{FF2B5EF4-FFF2-40B4-BE49-F238E27FC236}">
+                <a16:creationId xmlns:a16="http://schemas.microsoft.com/office/drawing/2014/main" id="{EE672C9C-2796-4CD4-B138-FB14ECB9EFA6}"/>
+              </a:ext>
+            </a:extLst>
+          </p:cNvPr>
+          <p:cNvGraphicFramePr>
+            <a:graphicFrameLocks noGrp="1"/>
+          </p:cNvGraphicFramePr>
+          <p:nvPr>
+            <p:extLst>
+              <p:ext uri="{D42A27DB-BD31-4B8C-83A1-F6EECF244321}">
+                <p14:modId xmlns:p14="http://schemas.microsoft.com/office/powerpoint/2010/main" val="3955641061"/>
+              </p:ext>
+            </p:extLst>
+          </p:nvPr>
+        </p:nvGraphicFramePr>
+        <p:xfrm>
+          <a:off x="8688288" y="476672"/>
+          <a:ext cx="3384376" cy="2398558"/>
+        </p:xfrm>
+        <a:graphic>
+          <a:graphicData uri="http://schemas.openxmlformats.org/drawingml/2006/table">
+            <a:tbl>
+              <a:tblPr firstRow="1" bandRow="1">
+                <a:tableStyleId>{5C22544A-7EE6-4342-B048-85BDC9FD1C3A}</a:tableStyleId>
+              </a:tblPr>
+              <a:tblGrid>
+                <a:gridCol w="403256">
+                  <a:extLst>
+                    <a:ext uri="{9D8B030D-6E8A-4147-A177-3AD203B41FA5}">
+                      <a16:colId xmlns:a16="http://schemas.microsoft.com/office/drawing/2014/main" val="74772085"/>
+                    </a:ext>
+                  </a:extLst>
+                </a:gridCol>
+                <a:gridCol w="2981120">
+                  <a:extLst>
+                    <a:ext uri="{9D8B030D-6E8A-4147-A177-3AD203B41FA5}">
+                      <a16:colId xmlns:a16="http://schemas.microsoft.com/office/drawing/2014/main" val="2572474025"/>
+                    </a:ext>
+                  </a:extLst>
+                </a:gridCol>
+              </a:tblGrid>
+              <a:tr h="258850">
+                <a:tc gridSpan="2">
+                  <a:txBody>
+                    <a:bodyPr/>
+                    <a:lstStyle/>
+                    <a:p>
+                      <a:pPr marL="0" marR="0" lvl="0" indent="0" algn="l" defTabSz="914400" rtl="0" eaLnBrk="1" fontAlgn="auto" latinLnBrk="1" hangingPunct="1">
+                        <a:lnSpc>
+                          <a:spcPct val="100000"/>
+                        </a:lnSpc>
+                        <a:spcBef>
+                          <a:spcPts val="0"/>
+                        </a:spcBef>
+                        <a:spcAft>
+                          <a:spcPts val="0"/>
+                        </a:spcAft>
+                        <a:buClrTx/>
+                        <a:buSzTx/>
+                        <a:buFontTx/>
+                        <a:buNone/>
+                        <a:tabLst/>
+                        <a:defRPr/>
+                      </a:pPr>
+                      <a:r>
+                        <a:rPr lang="en-US" altLang="ko-KR" sz="900" b="1" dirty="0">
+                          <a:solidFill>
+                            <a:srgbClr val="4E5263"/>
+                          </a:solidFill>
+                          <a:latin typeface="+mn-ea"/>
+                          <a:ea typeface="+mn-ea"/>
+                          <a:sym typeface="맑은 고딕"/>
+                        </a:rPr>
+                        <a:t>Summery. </a:t>
+                      </a:r>
+                      <a:r>
+                        <a:rPr lang="ko-KR" altLang="en-US" sz="900" b="1" dirty="0">
+                          <a:solidFill>
+                            <a:srgbClr val="4E5263"/>
+                          </a:solidFill>
+                          <a:latin typeface="+mn-ea"/>
+                          <a:ea typeface="+mn-ea"/>
+                          <a:sym typeface="맑은 고딕"/>
+                        </a:rPr>
+                        <a:t>비밀번호</a:t>
+                      </a:r>
+                      <a:r>
+                        <a:rPr lang="en-US" altLang="ko-KR" sz="900" b="1" dirty="0">
+                          <a:solidFill>
+                            <a:srgbClr val="4E5263"/>
+                          </a:solidFill>
+                          <a:latin typeface="+mn-ea"/>
+                          <a:ea typeface="+mn-ea"/>
+                          <a:sym typeface="맑은 고딕"/>
+                        </a:rPr>
+                        <a:t> </a:t>
+                      </a:r>
+                      <a:r>
+                        <a:rPr lang="ko-KR" altLang="en-US" sz="900" b="1" dirty="0">
+                          <a:solidFill>
+                            <a:srgbClr val="4E5263"/>
+                          </a:solidFill>
+                          <a:latin typeface="+mn-ea"/>
+                          <a:ea typeface="+mn-ea"/>
+                          <a:sym typeface="맑은 고딕"/>
+                        </a:rPr>
+                        <a:t>찾기 페이지</a:t>
+                      </a:r>
+                      <a:endParaRPr lang="en" altLang="ko-KR" sz="900" b="1" dirty="0">
+                        <a:solidFill>
+                          <a:srgbClr val="4E5263"/>
+                        </a:solidFill>
+                        <a:latin typeface="+mn-ea"/>
+                        <a:ea typeface="+mn-ea"/>
+                        <a:sym typeface="맑은 고딕"/>
+                      </a:endParaRPr>
+                    </a:p>
+                  </a:txBody>
+                  <a:tcPr anchor="ctr">
+                    <a:lnL w="3175" cap="flat" cmpd="sng" algn="ctr">
+                      <a:noFill/>
+                      <a:prstDash val="solid"/>
+                      <a:round/>
+                      <a:headEnd type="none" w="med" len="med"/>
+                      <a:tailEnd type="none" w="med" len="med"/>
+                    </a:lnL>
+                    <a:lnR w="3175" cap="flat" cmpd="sng" algn="ctr">
+                      <a:noFill/>
+                      <a:prstDash val="solid"/>
+                      <a:round/>
+                      <a:headEnd type="none" w="med" len="med"/>
+                      <a:tailEnd type="none" w="med" len="med"/>
+                    </a:lnR>
+                    <a:lnT w="3175" cap="flat" cmpd="sng" algn="ctr">
+                      <a:noFill/>
+                      <a:prstDash val="solid"/>
+                      <a:round/>
+                      <a:headEnd type="none" w="med" len="med"/>
+                      <a:tailEnd type="none" w="med" len="med"/>
+                    </a:lnT>
+                    <a:lnB w="3175" cap="flat" cmpd="sng" algn="ctr">
+                      <a:solidFill>
+                        <a:schemeClr val="bg1">
+                          <a:lumMod val="65000"/>
+                        </a:schemeClr>
+                      </a:solidFill>
+                      <a:prstDash val="solid"/>
+                      <a:round/>
+                      <a:headEnd type="none" w="med" len="med"/>
+                      <a:tailEnd type="none" w="med" len="med"/>
+                    </a:lnB>
+                    <a:solidFill>
+                      <a:schemeClr val="bg1"/>
+                    </a:solidFill>
+                  </a:tcPr>
+                </a:tc>
+                <a:tc hMerge="1">
+                  <a:txBody>
+                    <a:bodyPr/>
+                    <a:lstStyle/>
+                    <a:p>
+                      <a:pPr marL="0" marR="0" lvl="0" indent="0" algn="l" defTabSz="914400" rtl="0" eaLnBrk="1" fontAlgn="auto" latinLnBrk="1" hangingPunct="1">
+                        <a:lnSpc>
+                          <a:spcPct val="100000"/>
+                        </a:lnSpc>
+                        <a:spcBef>
+                          <a:spcPts val="0"/>
+                        </a:spcBef>
+                        <a:spcAft>
+                          <a:spcPts val="0"/>
+                        </a:spcAft>
+                        <a:buClrTx/>
+                        <a:buSzTx/>
+                        <a:buFontTx/>
+                        <a:buNone/>
+                        <a:tabLst/>
+                        <a:defRPr/>
+                      </a:pPr>
+                      <a:endParaRPr lang="en" altLang="ko-KR" sz="900" b="1" dirty="0">
+                        <a:solidFill>
+                          <a:srgbClr val="4E5263"/>
+                        </a:solidFill>
+                        <a:latin typeface="SF Pro Text" pitchFamily="2" charset="0"/>
+                        <a:ea typeface="SF Pro Text" pitchFamily="2" charset="0"/>
+                        <a:sym typeface="맑은 고딕"/>
+                      </a:endParaRPr>
+                    </a:p>
+                  </a:txBody>
+                  <a:tcPr anchor="ctr">
+                    <a:lnL w="3175" cap="flat" cmpd="sng" algn="ctr">
+                      <a:solidFill>
+                        <a:schemeClr val="tx1">
+                          <a:lumMod val="50000"/>
+                          <a:lumOff val="50000"/>
+                        </a:schemeClr>
+                      </a:solidFill>
+                      <a:prstDash val="solid"/>
+                      <a:round/>
+                      <a:headEnd type="none" w="med" len="med"/>
+                      <a:tailEnd type="none" w="med" len="med"/>
+                    </a:lnL>
+                    <a:lnR w="3175" cap="flat" cmpd="sng" algn="ctr">
+                      <a:noFill/>
+                      <a:prstDash val="solid"/>
+                      <a:round/>
+                      <a:headEnd type="none" w="med" len="med"/>
+                      <a:tailEnd type="none" w="med" len="med"/>
+                    </a:lnR>
+                    <a:lnT w="3175" cap="flat" cmpd="sng" algn="ctr">
+                      <a:noFill/>
+                      <a:prstDash val="solid"/>
+                      <a:round/>
+                      <a:headEnd type="none" w="med" len="med"/>
+                      <a:tailEnd type="none" w="med" len="med"/>
+                    </a:lnT>
+                    <a:lnB w="3175" cap="flat" cmpd="sng" algn="ctr">
+                      <a:solidFill>
+                        <a:schemeClr val="tx1">
+                          <a:lumMod val="50000"/>
+                          <a:lumOff val="50000"/>
+                        </a:schemeClr>
+                      </a:solidFill>
+                      <a:prstDash val="solid"/>
+                      <a:round/>
+                      <a:headEnd type="none" w="med" len="med"/>
+                      <a:tailEnd type="none" w="med" len="med"/>
+                    </a:lnB>
+                    <a:noFill/>
+                  </a:tcPr>
+                </a:tc>
+                <a:extLst>
+                  <a:ext uri="{0D108BD9-81ED-4DB2-BD59-A6C34878D82A}">
+                    <a16:rowId xmlns:a16="http://schemas.microsoft.com/office/drawing/2014/main" val="1283880267"/>
+                  </a:ext>
+                </a:extLst>
+              </a:tr>
+              <a:tr h="786307">
+                <a:tc gridSpan="2">
+                  <a:txBody>
+                    <a:bodyPr/>
+                    <a:lstStyle/>
+                    <a:p>
+                      <a:pPr marL="108000" marR="0" lvl="0" indent="-108000" algn="just" defTabSz="914400" rtl="0" eaLnBrk="1" fontAlgn="auto" latinLnBrk="1" hangingPunct="1">
+                        <a:lnSpc>
+                          <a:spcPct val="120000"/>
+                        </a:lnSpc>
+                        <a:spcBef>
+                          <a:spcPts val="0"/>
+                        </a:spcBef>
+                        <a:spcAft>
+                          <a:spcPts val="0"/>
+                        </a:spcAft>
+                        <a:buClrTx/>
+                        <a:buSzTx/>
+                        <a:buFont typeface="Arial" panose="020B0604020202020204" pitchFamily="34" charset="0"/>
+                        <a:buChar char="•"/>
+                        <a:tabLst/>
+                        <a:defRPr/>
+                      </a:pPr>
+                      <a:r>
+                        <a:rPr lang="ko-KR" altLang="en-US" sz="800" b="0" dirty="0">
+                          <a:solidFill>
+                            <a:schemeClr val="tx1"/>
+                          </a:solidFill>
+                          <a:latin typeface="+mn-ea"/>
+                          <a:ea typeface="+mn-ea"/>
+                          <a:sym typeface="맑은 고딕"/>
+                        </a:rPr>
+                        <a:t>아이디와 핸드폰 번호 인증을 통해 비밀번호를 찾을 수 있습니다</a:t>
+                      </a:r>
+                      <a:r>
+                        <a:rPr lang="en-US" altLang="ko-KR" sz="800" b="0" dirty="0">
+                          <a:solidFill>
+                            <a:schemeClr val="tx1"/>
+                          </a:solidFill>
+                          <a:latin typeface="+mn-ea"/>
+                          <a:ea typeface="+mn-ea"/>
+                          <a:sym typeface="맑은 고딕"/>
+                        </a:rPr>
+                        <a:t>.</a:t>
+                      </a:r>
+                    </a:p>
+                  </a:txBody>
+                  <a:tcPr anchor="ctr">
+                    <a:lnL w="3175" cap="flat" cmpd="sng" algn="ctr">
+                      <a:noFill/>
+                      <a:prstDash val="solid"/>
+                      <a:round/>
+                      <a:headEnd type="none" w="med" len="med"/>
+                      <a:tailEnd type="none" w="med" len="med"/>
+                    </a:lnL>
+                    <a:lnR w="3175" cap="flat" cmpd="sng" algn="ctr">
+                      <a:noFill/>
+                      <a:prstDash val="solid"/>
+                      <a:round/>
+                      <a:headEnd type="none" w="med" len="med"/>
+                      <a:tailEnd type="none" w="med" len="med"/>
+                    </a:lnR>
+                    <a:lnT w="3175" cap="flat" cmpd="sng" algn="ctr">
+                      <a:solidFill>
+                        <a:schemeClr val="bg1">
+                          <a:lumMod val="65000"/>
+                        </a:schemeClr>
+                      </a:solidFill>
+                      <a:prstDash val="solid"/>
+                      <a:round/>
+                      <a:headEnd type="none" w="med" len="med"/>
+                      <a:tailEnd type="none" w="med" len="med"/>
+                    </a:lnT>
+                    <a:lnB w="3175" cap="flat" cmpd="sng" algn="ctr">
+                      <a:solidFill>
+                        <a:schemeClr val="tx1">
+                          <a:lumMod val="50000"/>
+                          <a:lumOff val="50000"/>
+                        </a:schemeClr>
+                      </a:solidFill>
+                      <a:prstDash val="solid"/>
+                      <a:round/>
+                      <a:headEnd type="none" w="med" len="med"/>
+                      <a:tailEnd type="none" w="med" len="med"/>
+                    </a:lnB>
+                    <a:noFill/>
+                  </a:tcPr>
+                </a:tc>
+                <a:tc hMerge="1">
+                  <a:txBody>
+                    <a:bodyPr/>
+                    <a:lstStyle/>
+                    <a:p>
+                      <a:pPr latinLnBrk="1"/>
+                      <a:endParaRPr lang="ko-KR" altLang="en-US"/>
+                    </a:p>
+                  </a:txBody>
+                  <a:tcPr/>
+                </a:tc>
+                <a:extLst>
+                  <a:ext uri="{0D108BD9-81ED-4DB2-BD59-A6C34878D82A}">
+                    <a16:rowId xmlns:a16="http://schemas.microsoft.com/office/drawing/2014/main" val="3072083066"/>
+                  </a:ext>
+                </a:extLst>
+              </a:tr>
+              <a:tr h="241592">
+                <a:tc>
+                  <a:txBody>
+                    <a:bodyPr/>
+                    <a:lstStyle/>
+                    <a:p>
+                      <a:pPr algn="ctr" latinLnBrk="1">
+                        <a:lnSpc>
+                          <a:spcPct val="120000"/>
+                        </a:lnSpc>
+                      </a:pPr>
+                      <a:r>
+                        <a:rPr lang="en-US" altLang="ko-KR" sz="850" b="0" dirty="0">
+                          <a:solidFill>
+                            <a:schemeClr val="tx1"/>
+                          </a:solidFill>
+                          <a:latin typeface="+mn-ea"/>
+                          <a:ea typeface="+mn-ea"/>
+                        </a:rPr>
+                        <a:t>1</a:t>
+                      </a:r>
+                      <a:endParaRPr lang="ko-KR" altLang="en-US" sz="850" b="0" dirty="0">
+                        <a:solidFill>
+                          <a:schemeClr val="tx1"/>
+                        </a:solidFill>
+                        <a:latin typeface="+mn-ea"/>
+                        <a:ea typeface="+mn-ea"/>
+                      </a:endParaRPr>
+                    </a:p>
+                  </a:txBody>
+                  <a:tcPr anchor="ctr">
+                    <a:lnL w="3175" cap="flat" cmpd="sng" algn="ctr">
+                      <a:noFill/>
+                      <a:prstDash val="solid"/>
+                      <a:round/>
+                      <a:headEnd type="none" w="med" len="med"/>
+                      <a:tailEnd type="none" w="med" len="med"/>
+                    </a:lnL>
+                    <a:lnR w="3175" cap="flat" cmpd="sng" algn="ctr">
+                      <a:solidFill>
+                        <a:schemeClr val="tx1">
+                          <a:lumMod val="50000"/>
+                          <a:lumOff val="50000"/>
+                        </a:schemeClr>
+                      </a:solidFill>
+                      <a:prstDash val="solid"/>
+                      <a:round/>
+                      <a:headEnd type="none" w="med" len="med"/>
+                      <a:tailEnd type="none" w="med" len="med"/>
+                    </a:lnR>
+                    <a:lnT w="3175" cap="flat" cmpd="sng" algn="ctr">
+                      <a:solidFill>
+                        <a:schemeClr val="tx1">
+                          <a:lumMod val="50000"/>
+                          <a:lumOff val="50000"/>
+                        </a:schemeClr>
+                      </a:solidFill>
+                      <a:prstDash val="solid"/>
+                      <a:round/>
+                      <a:headEnd type="none" w="med" len="med"/>
+                      <a:tailEnd type="none" w="med" len="med"/>
+                    </a:lnT>
+                    <a:lnB w="3175" cap="flat" cmpd="sng" algn="ctr">
+                      <a:solidFill>
+                        <a:schemeClr val="tx1">
+                          <a:lumMod val="50000"/>
+                          <a:lumOff val="50000"/>
+                        </a:schemeClr>
+                      </a:solidFill>
+                      <a:prstDash val="solid"/>
+                      <a:round/>
+                      <a:headEnd type="none" w="med" len="med"/>
+                      <a:tailEnd type="none" w="med" len="med"/>
+                    </a:lnB>
+                    <a:noFill/>
+                  </a:tcPr>
+                </a:tc>
+                <a:tc>
+                  <a:txBody>
+                    <a:bodyPr/>
+                    <a:lstStyle/>
+                    <a:p>
+                      <a:pPr algn="just" latinLnBrk="1">
+                        <a:lnSpc>
+                          <a:spcPct val="120000"/>
+                        </a:lnSpc>
+                      </a:pPr>
+                      <a:r>
+                        <a:rPr lang="ko-KR" altLang="en-US" sz="850" b="0" dirty="0">
+                          <a:latin typeface="+mn-ea"/>
+                          <a:ea typeface="+mn-ea"/>
+                        </a:rPr>
+                        <a:t>아이디와 핸드폰 번호와 인증 번호를 작성 합니다</a:t>
+                      </a:r>
+                      <a:r>
+                        <a:rPr lang="en-US" altLang="ko-KR" sz="850" b="0" dirty="0">
+                          <a:latin typeface="+mn-ea"/>
+                          <a:ea typeface="+mn-ea"/>
+                        </a:rPr>
+                        <a:t>.</a:t>
+                      </a:r>
+                      <a:endParaRPr lang="ko-KR" altLang="en-US" sz="850" b="0" dirty="0">
+                        <a:latin typeface="+mn-ea"/>
+                        <a:ea typeface="+mn-ea"/>
+                      </a:endParaRPr>
+                    </a:p>
+                  </a:txBody>
+                  <a:tcPr anchor="ctr">
+                    <a:lnL w="3175" cap="flat" cmpd="sng" algn="ctr">
+                      <a:solidFill>
+                        <a:schemeClr val="tx1">
+                          <a:lumMod val="50000"/>
+                          <a:lumOff val="50000"/>
+                        </a:schemeClr>
+                      </a:solidFill>
+                      <a:prstDash val="solid"/>
+                      <a:round/>
+                      <a:headEnd type="none" w="med" len="med"/>
+                      <a:tailEnd type="none" w="med" len="med"/>
+                    </a:lnL>
+                    <a:lnR w="3175" cap="flat" cmpd="sng" algn="ctr">
+                      <a:noFill/>
+                      <a:prstDash val="solid"/>
+                      <a:round/>
+                      <a:headEnd type="none" w="med" len="med"/>
+                      <a:tailEnd type="none" w="med" len="med"/>
+                    </a:lnR>
+                    <a:lnT w="3175" cap="flat" cmpd="sng" algn="ctr">
+                      <a:solidFill>
+                        <a:schemeClr val="tx1">
+                          <a:lumMod val="50000"/>
+                          <a:lumOff val="50000"/>
+                        </a:schemeClr>
+                      </a:solidFill>
+                      <a:prstDash val="solid"/>
+                      <a:round/>
+                      <a:headEnd type="none" w="med" len="med"/>
+                      <a:tailEnd type="none" w="med" len="med"/>
+                    </a:lnT>
+                    <a:lnB w="3175" cap="flat" cmpd="sng" algn="ctr">
+                      <a:solidFill>
+                        <a:schemeClr val="tx1">
+                          <a:lumMod val="50000"/>
+                          <a:lumOff val="50000"/>
+                        </a:schemeClr>
+                      </a:solidFill>
+                      <a:prstDash val="solid"/>
+                      <a:round/>
+                      <a:headEnd type="none" w="med" len="med"/>
+                      <a:tailEnd type="none" w="med" len="med"/>
+                    </a:lnB>
+                    <a:noFill/>
+                  </a:tcPr>
+                </a:tc>
+                <a:extLst>
+                  <a:ext uri="{0D108BD9-81ED-4DB2-BD59-A6C34878D82A}">
+                    <a16:rowId xmlns:a16="http://schemas.microsoft.com/office/drawing/2014/main" val="896699591"/>
+                  </a:ext>
+                </a:extLst>
+              </a:tr>
+              <a:tr h="241592">
+                <a:tc>
+                  <a:txBody>
+                    <a:bodyPr/>
+                    <a:lstStyle/>
+                    <a:p>
+                      <a:pPr algn="ctr" latinLnBrk="1">
+                        <a:lnSpc>
+                          <a:spcPct val="120000"/>
+                        </a:lnSpc>
+                      </a:pPr>
+                      <a:r>
+                        <a:rPr lang="en-US" altLang="ko-KR" sz="850" b="0" dirty="0">
+                          <a:latin typeface="+mn-ea"/>
+                          <a:ea typeface="+mn-ea"/>
+                        </a:rPr>
+                        <a:t>2</a:t>
+                      </a:r>
+                      <a:endParaRPr lang="ko-KR" altLang="en-US" sz="850" b="0" dirty="0">
+                        <a:latin typeface="+mn-ea"/>
+                        <a:ea typeface="+mn-ea"/>
+                      </a:endParaRPr>
+                    </a:p>
+                  </a:txBody>
+                  <a:tcPr anchor="ctr">
+                    <a:lnL w="3175" cap="flat" cmpd="sng" algn="ctr">
+                      <a:noFill/>
+                      <a:prstDash val="solid"/>
+                      <a:round/>
+                      <a:headEnd type="none" w="med" len="med"/>
+                      <a:tailEnd type="none" w="med" len="med"/>
+                    </a:lnL>
+                    <a:lnR w="3175" cap="flat" cmpd="sng" algn="ctr">
+                      <a:solidFill>
+                        <a:schemeClr val="tx1">
+                          <a:lumMod val="50000"/>
+                          <a:lumOff val="50000"/>
+                        </a:schemeClr>
+                      </a:solidFill>
+                      <a:prstDash val="solid"/>
+                      <a:round/>
+                      <a:headEnd type="none" w="med" len="med"/>
+                      <a:tailEnd type="none" w="med" len="med"/>
+                    </a:lnR>
+                    <a:lnT w="3175" cap="flat" cmpd="sng" algn="ctr">
+                      <a:solidFill>
+                        <a:schemeClr val="tx1">
+                          <a:lumMod val="50000"/>
+                          <a:lumOff val="50000"/>
+                        </a:schemeClr>
+                      </a:solidFill>
+                      <a:prstDash val="solid"/>
+                      <a:round/>
+                      <a:headEnd type="none" w="med" len="med"/>
+                      <a:tailEnd type="none" w="med" len="med"/>
+                    </a:lnT>
+                    <a:lnB w="3175" cap="flat" cmpd="sng" algn="ctr">
+                      <a:solidFill>
+                        <a:schemeClr val="tx1">
+                          <a:lumMod val="50000"/>
+                          <a:lumOff val="50000"/>
+                        </a:schemeClr>
+                      </a:solidFill>
+                      <a:prstDash val="solid"/>
+                      <a:round/>
+                      <a:headEnd type="none" w="med" len="med"/>
+                      <a:tailEnd type="none" w="med" len="med"/>
+                    </a:lnB>
+                    <a:noFill/>
+                  </a:tcPr>
+                </a:tc>
+                <a:tc>
+                  <a:txBody>
+                    <a:bodyPr/>
+                    <a:lstStyle/>
+                    <a:p>
+                      <a:pPr marL="0" marR="0" lvl="0" indent="0" algn="just" defTabSz="914400" rtl="0" eaLnBrk="1" fontAlgn="auto" latinLnBrk="1" hangingPunct="1">
+                        <a:lnSpc>
+                          <a:spcPct val="120000"/>
+                        </a:lnSpc>
+                        <a:spcBef>
+                          <a:spcPts val="0"/>
+                        </a:spcBef>
+                        <a:spcAft>
+                          <a:spcPts val="0"/>
+                        </a:spcAft>
+                        <a:buClrTx/>
+                        <a:buSzTx/>
+                        <a:buFontTx/>
+                        <a:buNone/>
+                        <a:tabLst/>
+                        <a:defRPr/>
+                      </a:pPr>
+                      <a:r>
+                        <a:rPr kumimoji="1" lang="ko-KR" altLang="en-US" sz="850" dirty="0">
+                          <a:solidFill>
+                            <a:schemeClr val="tx1"/>
+                          </a:solidFill>
+                          <a:latin typeface="+mn-ea"/>
+                        </a:rPr>
+                        <a:t>입력한 핸드폰 번호로 인증 번호가 발송 됩니다</a:t>
+                      </a:r>
+                      <a:r>
+                        <a:rPr kumimoji="1" lang="en-US" altLang="ko-KR" sz="850" dirty="0">
+                          <a:solidFill>
+                            <a:schemeClr val="tx1"/>
+                          </a:solidFill>
+                          <a:latin typeface="+mn-ea"/>
+                        </a:rPr>
+                        <a:t>.</a:t>
+                      </a:r>
+                      <a:endParaRPr kumimoji="1" lang="ko-KR" altLang="en-US" sz="850" dirty="0">
+                        <a:solidFill>
+                          <a:schemeClr val="tx1"/>
+                        </a:solidFill>
+                        <a:latin typeface="+mn-ea"/>
+                      </a:endParaRPr>
+                    </a:p>
+                  </a:txBody>
+                  <a:tcPr anchor="ctr">
+                    <a:lnL w="3175" cap="flat" cmpd="sng" algn="ctr">
+                      <a:solidFill>
+                        <a:schemeClr val="tx1">
+                          <a:lumMod val="50000"/>
+                          <a:lumOff val="50000"/>
+                        </a:schemeClr>
+                      </a:solidFill>
+                      <a:prstDash val="solid"/>
+                      <a:round/>
+                      <a:headEnd type="none" w="med" len="med"/>
+                      <a:tailEnd type="none" w="med" len="med"/>
+                    </a:lnL>
+                    <a:lnR w="3175" cap="flat" cmpd="sng" algn="ctr">
+                      <a:noFill/>
+                      <a:prstDash val="solid"/>
+                      <a:round/>
+                      <a:headEnd type="none" w="med" len="med"/>
+                      <a:tailEnd type="none" w="med" len="med"/>
+                    </a:lnR>
+                    <a:lnT w="3175" cap="flat" cmpd="sng" algn="ctr">
+                      <a:solidFill>
+                        <a:schemeClr val="tx1">
+                          <a:lumMod val="50000"/>
+                          <a:lumOff val="50000"/>
+                        </a:schemeClr>
+                      </a:solidFill>
+                      <a:prstDash val="solid"/>
+                      <a:round/>
+                      <a:headEnd type="none" w="med" len="med"/>
+                      <a:tailEnd type="none" w="med" len="med"/>
+                    </a:lnT>
+                    <a:lnB w="3175" cap="flat" cmpd="sng" algn="ctr">
+                      <a:solidFill>
+                        <a:schemeClr val="tx1">
+                          <a:lumMod val="50000"/>
+                          <a:lumOff val="50000"/>
+                        </a:schemeClr>
+                      </a:solidFill>
+                      <a:prstDash val="solid"/>
+                      <a:round/>
+                      <a:headEnd type="none" w="med" len="med"/>
+                      <a:tailEnd type="none" w="med" len="med"/>
+                    </a:lnB>
+                    <a:noFill/>
+                  </a:tcPr>
+                </a:tc>
+                <a:extLst>
+                  <a:ext uri="{0D108BD9-81ED-4DB2-BD59-A6C34878D82A}">
+                    <a16:rowId xmlns:a16="http://schemas.microsoft.com/office/drawing/2014/main" val="2972133637"/>
+                  </a:ext>
+                </a:extLst>
+              </a:tr>
+              <a:tr h="241592">
+                <a:tc>
+                  <a:txBody>
+                    <a:bodyPr/>
+                    <a:lstStyle/>
+                    <a:p>
+                      <a:pPr algn="ctr" latinLnBrk="1">
+                        <a:lnSpc>
+                          <a:spcPct val="120000"/>
+                        </a:lnSpc>
+                      </a:pPr>
+                      <a:r>
+                        <a:rPr lang="en-US" altLang="ko-KR" sz="850" b="0" dirty="0">
+                          <a:latin typeface="+mn-ea"/>
+                          <a:ea typeface="+mn-ea"/>
+                        </a:rPr>
+                        <a:t>3</a:t>
+                      </a:r>
+                      <a:endParaRPr lang="ko-KR" altLang="en-US" sz="850" b="0" dirty="0">
+                        <a:latin typeface="+mn-ea"/>
+                        <a:ea typeface="+mn-ea"/>
+                      </a:endParaRPr>
+                    </a:p>
+                  </a:txBody>
+                  <a:tcPr anchor="ctr">
+                    <a:lnL w="3175" cap="flat" cmpd="sng" algn="ctr">
+                      <a:noFill/>
+                      <a:prstDash val="solid"/>
+                      <a:round/>
+                      <a:headEnd type="none" w="med" len="med"/>
+                      <a:tailEnd type="none" w="med" len="med"/>
+                    </a:lnL>
+                    <a:lnR w="3175" cap="flat" cmpd="sng" algn="ctr">
+                      <a:solidFill>
+                        <a:schemeClr val="tx1">
+                          <a:lumMod val="50000"/>
+                          <a:lumOff val="50000"/>
+                        </a:schemeClr>
+                      </a:solidFill>
+                      <a:prstDash val="solid"/>
+                      <a:round/>
+                      <a:headEnd type="none" w="med" len="med"/>
+                      <a:tailEnd type="none" w="med" len="med"/>
+                    </a:lnR>
+                    <a:lnT w="3175" cap="flat" cmpd="sng" algn="ctr">
+                      <a:solidFill>
+                        <a:schemeClr val="tx1">
+                          <a:lumMod val="50000"/>
+                          <a:lumOff val="50000"/>
+                        </a:schemeClr>
+                      </a:solidFill>
+                      <a:prstDash val="solid"/>
+                      <a:round/>
+                      <a:headEnd type="none" w="med" len="med"/>
+                      <a:tailEnd type="none" w="med" len="med"/>
+                    </a:lnT>
+                    <a:lnB w="3175" cap="flat" cmpd="sng" algn="ctr">
+                      <a:solidFill>
+                        <a:schemeClr val="tx1">
+                          <a:lumMod val="50000"/>
+                          <a:lumOff val="50000"/>
+                        </a:schemeClr>
+                      </a:solidFill>
+                      <a:prstDash val="solid"/>
+                      <a:round/>
+                      <a:headEnd type="none" w="med" len="med"/>
+                      <a:tailEnd type="none" w="med" len="med"/>
+                    </a:lnB>
+                    <a:noFill/>
+                  </a:tcPr>
+                </a:tc>
+                <a:tc>
+                  <a:txBody>
+                    <a:bodyPr/>
+                    <a:lstStyle/>
+                    <a:p>
+                      <a:pPr algn="just" latinLnBrk="1">
+                        <a:lnSpc>
+                          <a:spcPct val="120000"/>
+                        </a:lnSpc>
+                      </a:pPr>
+                      <a:r>
+                        <a:rPr lang="ko-KR" altLang="en-US" sz="850" b="0" dirty="0">
+                          <a:latin typeface="+mn-ea"/>
+                          <a:ea typeface="+mn-ea"/>
+                        </a:rPr>
+                        <a:t>입력한 인증번호가 일치하는지 확인 합니다</a:t>
+                      </a:r>
+                      <a:r>
+                        <a:rPr lang="en-US" altLang="ko-KR" sz="850" b="0" dirty="0">
+                          <a:latin typeface="+mn-ea"/>
+                          <a:ea typeface="+mn-ea"/>
+                        </a:rPr>
+                        <a:t>.</a:t>
+                      </a:r>
+                      <a:endParaRPr lang="ko-KR" altLang="en-US" sz="850" b="0" dirty="0">
+                        <a:latin typeface="+mn-ea"/>
+                        <a:ea typeface="+mn-ea"/>
+                      </a:endParaRPr>
+                    </a:p>
+                  </a:txBody>
+                  <a:tcPr anchor="ctr">
+                    <a:lnL w="3175" cap="flat" cmpd="sng" algn="ctr">
+                      <a:solidFill>
+                        <a:schemeClr val="tx1">
+                          <a:lumMod val="50000"/>
+                          <a:lumOff val="50000"/>
+                        </a:schemeClr>
+                      </a:solidFill>
+                      <a:prstDash val="solid"/>
+                      <a:round/>
+                      <a:headEnd type="none" w="med" len="med"/>
+                      <a:tailEnd type="none" w="med" len="med"/>
+                    </a:lnL>
+                    <a:lnR w="3175" cap="flat" cmpd="sng" algn="ctr">
+                      <a:noFill/>
+                      <a:prstDash val="solid"/>
+                      <a:round/>
+                      <a:headEnd type="none" w="med" len="med"/>
+                      <a:tailEnd type="none" w="med" len="med"/>
+                    </a:lnR>
+                    <a:lnT w="3175" cap="flat" cmpd="sng" algn="ctr">
+                      <a:solidFill>
+                        <a:schemeClr val="tx1">
+                          <a:lumMod val="50000"/>
+                          <a:lumOff val="50000"/>
+                        </a:schemeClr>
+                      </a:solidFill>
+                      <a:prstDash val="solid"/>
+                      <a:round/>
+                      <a:headEnd type="none" w="med" len="med"/>
+                      <a:tailEnd type="none" w="med" len="med"/>
+                    </a:lnT>
+                    <a:lnB w="3175" cap="flat" cmpd="sng" algn="ctr">
+                      <a:solidFill>
+                        <a:schemeClr val="tx1">
+                          <a:lumMod val="50000"/>
+                          <a:lumOff val="50000"/>
+                        </a:schemeClr>
+                      </a:solidFill>
+                      <a:prstDash val="solid"/>
+                      <a:round/>
+                      <a:headEnd type="none" w="med" len="med"/>
+                      <a:tailEnd type="none" w="med" len="med"/>
+                    </a:lnB>
+                    <a:noFill/>
+                  </a:tcPr>
+                </a:tc>
+                <a:extLst>
+                  <a:ext uri="{0D108BD9-81ED-4DB2-BD59-A6C34878D82A}">
+                    <a16:rowId xmlns:a16="http://schemas.microsoft.com/office/drawing/2014/main" val="2075783758"/>
+                  </a:ext>
+                </a:extLst>
+              </a:tr>
+              <a:tr h="241592">
+                <a:tc>
+                  <a:txBody>
+                    <a:bodyPr/>
+                    <a:lstStyle/>
+                    <a:p>
+                      <a:pPr algn="ctr" latinLnBrk="1">
+                        <a:lnSpc>
+                          <a:spcPct val="120000"/>
+                        </a:lnSpc>
+                      </a:pPr>
+                      <a:r>
+                        <a:rPr lang="en-US" altLang="ko-KR" sz="850" b="0" dirty="0">
+                          <a:latin typeface="+mn-ea"/>
+                          <a:ea typeface="+mn-ea"/>
+                        </a:rPr>
+                        <a:t>4</a:t>
+                      </a:r>
+                      <a:endParaRPr lang="ko-KR" altLang="en-US" sz="850" b="0" dirty="0">
+                        <a:latin typeface="+mn-ea"/>
+                        <a:ea typeface="+mn-ea"/>
+                      </a:endParaRPr>
+                    </a:p>
+                  </a:txBody>
+                  <a:tcPr anchor="ctr">
+                    <a:lnL w="3175" cap="flat" cmpd="sng" algn="ctr">
+                      <a:noFill/>
+                      <a:prstDash val="solid"/>
+                      <a:round/>
+                      <a:headEnd type="none" w="med" len="med"/>
+                      <a:tailEnd type="none" w="med" len="med"/>
+                    </a:lnL>
+                    <a:lnR w="3175" cap="flat" cmpd="sng" algn="ctr">
+                      <a:solidFill>
+                        <a:schemeClr val="tx1">
+                          <a:lumMod val="50000"/>
+                          <a:lumOff val="50000"/>
+                        </a:schemeClr>
+                      </a:solidFill>
+                      <a:prstDash val="solid"/>
+                      <a:round/>
+                      <a:headEnd type="none" w="med" len="med"/>
+                      <a:tailEnd type="none" w="med" len="med"/>
+                    </a:lnR>
+                    <a:lnT w="3175" cap="flat" cmpd="sng" algn="ctr">
+                      <a:solidFill>
+                        <a:schemeClr val="tx1">
+                          <a:lumMod val="50000"/>
+                          <a:lumOff val="50000"/>
+                        </a:schemeClr>
+                      </a:solidFill>
+                      <a:prstDash val="solid"/>
+                      <a:round/>
+                      <a:headEnd type="none" w="med" len="med"/>
+                      <a:tailEnd type="none" w="med" len="med"/>
+                    </a:lnT>
+                    <a:lnB w="3175" cap="flat" cmpd="sng" algn="ctr">
+                      <a:solidFill>
+                        <a:schemeClr val="tx1">
+                          <a:lumMod val="50000"/>
+                          <a:lumOff val="50000"/>
+                        </a:schemeClr>
+                      </a:solidFill>
+                      <a:prstDash val="solid"/>
+                      <a:round/>
+                      <a:headEnd type="none" w="med" len="med"/>
+                      <a:tailEnd type="none" w="med" len="med"/>
+                    </a:lnB>
+                    <a:noFill/>
+                  </a:tcPr>
+                </a:tc>
+                <a:tc>
+                  <a:txBody>
+                    <a:bodyPr/>
+                    <a:lstStyle/>
+                    <a:p>
+                      <a:pPr marL="0" marR="0" lvl="0" indent="0" algn="just" defTabSz="914400" rtl="0" eaLnBrk="1" fontAlgn="auto" latinLnBrk="1" hangingPunct="1">
+                        <a:lnSpc>
+                          <a:spcPct val="120000"/>
+                        </a:lnSpc>
+                        <a:spcBef>
+                          <a:spcPts val="0"/>
+                        </a:spcBef>
+                        <a:spcAft>
+                          <a:spcPts val="0"/>
+                        </a:spcAft>
+                        <a:buClrTx/>
+                        <a:buSzTx/>
+                        <a:buFontTx/>
+                        <a:buNone/>
+                        <a:tabLst/>
+                        <a:defRPr/>
+                      </a:pPr>
+                      <a:r>
+                        <a:rPr lang="ko-KR" altLang="en-US" sz="850" b="0" dirty="0">
+                          <a:latin typeface="+mn-ea"/>
+                          <a:ea typeface="+mn-ea"/>
+                        </a:rPr>
+                        <a:t>인증번호가 일치한다면 클릭 시 아이디 찾기 성공 페이지로 이동 합니다</a:t>
+                      </a:r>
+                      <a:r>
+                        <a:rPr lang="en-US" altLang="ko-KR" sz="850" b="0" dirty="0">
+                          <a:latin typeface="+mn-ea"/>
+                          <a:ea typeface="+mn-ea"/>
+                        </a:rPr>
+                        <a:t>(Page.15 </a:t>
+                      </a:r>
+                      <a:r>
+                        <a:rPr lang="ko-KR" altLang="en-US" sz="850" b="0" dirty="0">
+                          <a:latin typeface="+mn-ea"/>
+                          <a:ea typeface="+mn-ea"/>
+                        </a:rPr>
+                        <a:t>참조</a:t>
+                      </a:r>
+                      <a:r>
+                        <a:rPr lang="en-US" altLang="ko-KR" sz="850" b="0" dirty="0">
+                          <a:latin typeface="+mn-ea"/>
+                          <a:ea typeface="+mn-ea"/>
+                        </a:rPr>
+                        <a:t>).</a:t>
+                      </a:r>
+                      <a:endParaRPr lang="ko-KR" altLang="en-US" sz="850" b="0" dirty="0">
+                        <a:latin typeface="+mn-ea"/>
+                        <a:ea typeface="+mn-ea"/>
+                      </a:endParaRPr>
+                    </a:p>
+                  </a:txBody>
+                  <a:tcPr anchor="ctr">
+                    <a:lnL w="3175" cap="flat" cmpd="sng" algn="ctr">
+                      <a:solidFill>
+                        <a:schemeClr val="tx1">
+                          <a:lumMod val="50000"/>
+                          <a:lumOff val="50000"/>
+                        </a:schemeClr>
+                      </a:solidFill>
+                      <a:prstDash val="solid"/>
+                      <a:round/>
+                      <a:headEnd type="none" w="med" len="med"/>
+                      <a:tailEnd type="none" w="med" len="med"/>
+                    </a:lnL>
+                    <a:lnR w="3175" cap="flat" cmpd="sng" algn="ctr">
+                      <a:noFill/>
+                      <a:prstDash val="solid"/>
+                      <a:round/>
+                      <a:headEnd type="none" w="med" len="med"/>
+                      <a:tailEnd type="none" w="med" len="med"/>
+                    </a:lnR>
+                    <a:lnT w="3175" cap="flat" cmpd="sng" algn="ctr">
+                      <a:solidFill>
+                        <a:schemeClr val="tx1">
+                          <a:lumMod val="50000"/>
+                          <a:lumOff val="50000"/>
+                        </a:schemeClr>
+                      </a:solidFill>
+                      <a:prstDash val="solid"/>
+                      <a:round/>
+                      <a:headEnd type="none" w="med" len="med"/>
+                      <a:tailEnd type="none" w="med" len="med"/>
+                    </a:lnT>
+                    <a:lnB w="3175" cap="flat" cmpd="sng" algn="ctr">
+                      <a:solidFill>
+                        <a:schemeClr val="tx1">
+                          <a:lumMod val="50000"/>
+                          <a:lumOff val="50000"/>
+                        </a:schemeClr>
+                      </a:solidFill>
+                      <a:prstDash val="solid"/>
+                      <a:round/>
+                      <a:headEnd type="none" w="med" len="med"/>
+                      <a:tailEnd type="none" w="med" len="med"/>
+                    </a:lnB>
+                    <a:noFill/>
+                  </a:tcPr>
+                </a:tc>
+                <a:extLst>
+                  <a:ext uri="{0D108BD9-81ED-4DB2-BD59-A6C34878D82A}">
+                    <a16:rowId xmlns:a16="http://schemas.microsoft.com/office/drawing/2014/main" val="1068123190"/>
+                  </a:ext>
+                </a:extLst>
+              </a:tr>
+              <a:tr h="241592">
+                <a:tc>
+                  <a:txBody>
+                    <a:bodyPr/>
+                    <a:lstStyle/>
+                    <a:p>
+                      <a:pPr algn="ctr" latinLnBrk="1">
+                        <a:lnSpc>
+                          <a:spcPct val="120000"/>
+                        </a:lnSpc>
+                      </a:pPr>
+                      <a:r>
+                        <a:rPr lang="en-US" altLang="ko-KR" sz="850" b="0" dirty="0">
+                          <a:latin typeface="+mn-ea"/>
+                          <a:ea typeface="+mn-ea"/>
+                        </a:rPr>
+                        <a:t>5</a:t>
+                      </a:r>
+                      <a:endParaRPr lang="ko-KR" altLang="en-US" sz="850" b="0" dirty="0">
+                        <a:latin typeface="+mn-ea"/>
+                        <a:ea typeface="+mn-ea"/>
+                      </a:endParaRPr>
+                    </a:p>
+                  </a:txBody>
+                  <a:tcPr anchor="ctr">
+                    <a:lnL w="3175" cap="flat" cmpd="sng" algn="ctr">
+                      <a:noFill/>
+                      <a:prstDash val="solid"/>
+                      <a:round/>
+                      <a:headEnd type="none" w="med" len="med"/>
+                      <a:tailEnd type="none" w="med" len="med"/>
+                    </a:lnL>
+                    <a:lnR w="3175" cap="flat" cmpd="sng" algn="ctr">
+                      <a:solidFill>
+                        <a:schemeClr val="tx1">
+                          <a:lumMod val="50000"/>
+                          <a:lumOff val="50000"/>
+                        </a:schemeClr>
+                      </a:solidFill>
+                      <a:prstDash val="solid"/>
+                      <a:round/>
+                      <a:headEnd type="none" w="med" len="med"/>
+                      <a:tailEnd type="none" w="med" len="med"/>
+                    </a:lnR>
+                    <a:lnT w="3175" cap="flat" cmpd="sng" algn="ctr">
+                      <a:solidFill>
+                        <a:schemeClr val="tx1">
+                          <a:lumMod val="50000"/>
+                          <a:lumOff val="50000"/>
+                        </a:schemeClr>
+                      </a:solidFill>
+                      <a:prstDash val="solid"/>
+                      <a:round/>
+                      <a:headEnd type="none" w="med" len="med"/>
+                      <a:tailEnd type="none" w="med" len="med"/>
+                    </a:lnT>
+                    <a:lnB w="3175" cap="flat" cmpd="sng" algn="ctr">
+                      <a:solidFill>
+                        <a:schemeClr val="tx1">
+                          <a:lumMod val="50000"/>
+                          <a:lumOff val="50000"/>
+                        </a:schemeClr>
+                      </a:solidFill>
+                      <a:prstDash val="solid"/>
+                      <a:round/>
+                      <a:headEnd type="none" w="med" len="med"/>
+                      <a:tailEnd type="none" w="med" len="med"/>
+                    </a:lnB>
+                    <a:noFill/>
+                  </a:tcPr>
+                </a:tc>
+                <a:tc>
+                  <a:txBody>
+                    <a:bodyPr/>
+                    <a:lstStyle/>
+                    <a:p>
+                      <a:pPr algn="just" latinLnBrk="1">
+                        <a:lnSpc>
+                          <a:spcPct val="120000"/>
+                        </a:lnSpc>
+                      </a:pPr>
+                      <a:r>
+                        <a:rPr lang="ko-KR" altLang="en-US" sz="850" b="0" dirty="0">
+                          <a:latin typeface="+mn-ea"/>
+                          <a:ea typeface="+mn-ea"/>
+                        </a:rPr>
+                        <a:t>클릭 시 로그인 페이지로 이동 합니다</a:t>
+                      </a:r>
+                      <a:r>
+                        <a:rPr lang="en-US" altLang="ko-KR" sz="850" b="0" dirty="0">
+                          <a:latin typeface="+mn-ea"/>
+                          <a:ea typeface="+mn-ea"/>
+                        </a:rPr>
+                        <a:t>(Page. 11 </a:t>
+                      </a:r>
+                      <a:r>
+                        <a:rPr lang="ko-KR" altLang="en-US" sz="850" b="0" dirty="0">
+                          <a:latin typeface="+mn-ea"/>
+                          <a:ea typeface="+mn-ea"/>
+                        </a:rPr>
+                        <a:t>참조</a:t>
+                      </a:r>
+                      <a:r>
+                        <a:rPr lang="en-US" altLang="ko-KR" sz="850" b="0" dirty="0">
+                          <a:latin typeface="+mn-ea"/>
+                          <a:ea typeface="+mn-ea"/>
+                        </a:rPr>
+                        <a:t>).</a:t>
+                      </a:r>
+                      <a:endParaRPr lang="ko-KR" altLang="en-US" sz="850" b="0" dirty="0">
+                        <a:latin typeface="+mn-ea"/>
+                        <a:ea typeface="+mn-ea"/>
+                      </a:endParaRPr>
+                    </a:p>
+                  </a:txBody>
+                  <a:tcPr anchor="ctr">
+                    <a:lnL w="3175" cap="flat" cmpd="sng" algn="ctr">
+                      <a:solidFill>
+                        <a:schemeClr val="tx1">
+                          <a:lumMod val="50000"/>
+                          <a:lumOff val="50000"/>
+                        </a:schemeClr>
+                      </a:solidFill>
+                      <a:prstDash val="solid"/>
+                      <a:round/>
+                      <a:headEnd type="none" w="med" len="med"/>
+                      <a:tailEnd type="none" w="med" len="med"/>
+                    </a:lnL>
+                    <a:lnR w="3175" cap="flat" cmpd="sng" algn="ctr">
+                      <a:noFill/>
+                      <a:prstDash val="solid"/>
+                      <a:round/>
+                      <a:headEnd type="none" w="med" len="med"/>
+                      <a:tailEnd type="none" w="med" len="med"/>
+                    </a:lnR>
+                    <a:lnT w="3175" cap="flat" cmpd="sng" algn="ctr">
+                      <a:solidFill>
+                        <a:schemeClr val="tx1">
+                          <a:lumMod val="50000"/>
+                          <a:lumOff val="50000"/>
+                        </a:schemeClr>
+                      </a:solidFill>
+                      <a:prstDash val="solid"/>
+                      <a:round/>
+                      <a:headEnd type="none" w="med" len="med"/>
+                      <a:tailEnd type="none" w="med" len="med"/>
+                    </a:lnT>
+                    <a:lnB w="3175" cap="flat" cmpd="sng" algn="ctr">
+                      <a:solidFill>
+                        <a:schemeClr val="tx1">
+                          <a:lumMod val="50000"/>
+                          <a:lumOff val="50000"/>
+                        </a:schemeClr>
+                      </a:solidFill>
+                      <a:prstDash val="solid"/>
+                      <a:round/>
+                      <a:headEnd type="none" w="med" len="med"/>
+                      <a:tailEnd type="none" w="med" len="med"/>
+                    </a:lnB>
+                    <a:noFill/>
+                  </a:tcPr>
+                </a:tc>
+                <a:extLst>
+                  <a:ext uri="{0D108BD9-81ED-4DB2-BD59-A6C34878D82A}">
+                    <a16:rowId xmlns:a16="http://schemas.microsoft.com/office/drawing/2014/main" val="1494350657"/>
+                  </a:ext>
+                </a:extLst>
+              </a:tr>
+            </a:tbl>
+          </a:graphicData>
+        </a:graphic>
+      </p:graphicFrame>
+      <p:sp>
+        <p:nvSpPr>
+          <p:cNvPr id="8" name="TextBox 7">
+            <a:extLst>
+              <a:ext uri="{FF2B5EF4-FFF2-40B4-BE49-F238E27FC236}">
+                <a16:creationId xmlns:a16="http://schemas.microsoft.com/office/drawing/2014/main" id="{DDF58C48-5157-4FFA-B714-C02B198B9885}"/>
+              </a:ext>
+            </a:extLst>
+          </p:cNvPr>
+          <p:cNvSpPr txBox="1"/>
+          <p:nvPr/>
+        </p:nvSpPr>
+        <p:spPr>
+          <a:xfrm>
+            <a:off x="11780252" y="106980"/>
+            <a:ext cx="248786" cy="230832"/>
+          </a:xfrm>
+          <a:prstGeom prst="rect">
+            <a:avLst/>
+          </a:prstGeom>
+          <a:noFill/>
+        </p:spPr>
+        <p:txBody>
+          <a:bodyPr wrap="none" rtlCol="0">
+            <a:spAutoFit/>
+          </a:bodyPr>
+          <a:lstStyle/>
+          <a:p>
+            <a:fld id="{944918D1-1C8F-48E6-92D4-4089F97E8793}" type="slidenum">
+              <a:rPr lang="ko-KR" altLang="en-US" sz="900" smtClean="0"/>
+              <a:t>14</a:t>
+            </a:fld>
+            <a:endParaRPr lang="ko-KR" altLang="en-US" sz="900" dirty="0"/>
+          </a:p>
+        </p:txBody>
+      </p:sp>
+      <p:pic>
+        <p:nvPicPr>
+          <p:cNvPr id="6" name="그림 5">
+            <a:extLst>
+              <a:ext uri="{FF2B5EF4-FFF2-40B4-BE49-F238E27FC236}">
+                <a16:creationId xmlns:a16="http://schemas.microsoft.com/office/drawing/2014/main" id="{C979B7E0-44F3-435A-B649-7658CF5952C1}"/>
+              </a:ext>
+            </a:extLst>
+          </p:cNvPr>
+          <p:cNvPicPr preferRelativeResize="0">
+            <a:picLocks/>
+          </p:cNvPicPr>
+          <p:nvPr/>
+        </p:nvPicPr>
+        <p:blipFill>
+          <a:blip r:embed="rId2">
+            <a:extLst>
+              <a:ext uri="{28A0092B-C50C-407E-A947-70E740481C1C}">
+                <a14:useLocalDpi xmlns:a14="http://schemas.microsoft.com/office/drawing/2010/main" val="0"/>
+              </a:ext>
+            </a:extLst>
+          </a:blip>
+          <a:stretch>
+            <a:fillRect/>
+          </a:stretch>
+        </p:blipFill>
+        <p:spPr>
+          <a:xfrm>
+            <a:off x="72573" y="765184"/>
+            <a:ext cx="8488800" cy="4320000"/>
+          </a:xfrm>
+          <a:prstGeom prst="rect">
+            <a:avLst/>
+          </a:prstGeom>
+        </p:spPr>
+      </p:pic>
+      <p:pic>
+        <p:nvPicPr>
+          <p:cNvPr id="15" name="그림 14">
+            <a:extLst>
+              <a:ext uri="{FF2B5EF4-FFF2-40B4-BE49-F238E27FC236}">
+                <a16:creationId xmlns:a16="http://schemas.microsoft.com/office/drawing/2014/main" id="{CF020DFE-A0AF-4049-883C-1D2D5413C01A}"/>
+              </a:ext>
+            </a:extLst>
+          </p:cNvPr>
+          <p:cNvPicPr>
+            <a:picLocks noChangeAspect="1"/>
+          </p:cNvPicPr>
+          <p:nvPr/>
+        </p:nvPicPr>
+        <p:blipFill rotWithShape="1">
+          <a:blip r:embed="rId3" cstate="print">
+            <a:extLst>
+              <a:ext uri="{28A0092B-C50C-407E-A947-70E740481C1C}">
+                <a14:useLocalDpi xmlns:a14="http://schemas.microsoft.com/office/drawing/2010/main" val="0"/>
+              </a:ext>
+            </a:extLst>
+          </a:blip>
+          <a:srcRect l="23750" t="11151" r="65750" b="77299"/>
+          <a:stretch/>
+        </p:blipFill>
+        <p:spPr>
+          <a:xfrm>
+            <a:off x="5182263" y="2618920"/>
+            <a:ext cx="99282" cy="195337"/>
+          </a:xfrm>
+          <a:prstGeom prst="rect">
+            <a:avLst/>
+          </a:prstGeom>
+        </p:spPr>
+      </p:pic>
+      <p:pic>
+        <p:nvPicPr>
+          <p:cNvPr id="17" name="그림 16">
+            <a:extLst>
+              <a:ext uri="{FF2B5EF4-FFF2-40B4-BE49-F238E27FC236}">
+                <a16:creationId xmlns:a16="http://schemas.microsoft.com/office/drawing/2014/main" id="{1DAF3A60-097B-4A9C-B1B5-01E4B49714E5}"/>
+              </a:ext>
+            </a:extLst>
+          </p:cNvPr>
+          <p:cNvPicPr>
+            <a:picLocks noChangeAspect="1"/>
+          </p:cNvPicPr>
+          <p:nvPr/>
+        </p:nvPicPr>
+        <p:blipFill rotWithShape="1">
+          <a:blip r:embed="rId4" cstate="print">
+            <a:extLst>
+              <a:ext uri="{28A0092B-C50C-407E-A947-70E740481C1C}">
+                <a14:useLocalDpi xmlns:a14="http://schemas.microsoft.com/office/drawing/2010/main" val="0"/>
+              </a:ext>
+            </a:extLst>
+          </a:blip>
+          <a:srcRect l="45800" t="11151" r="44750" b="77299"/>
+          <a:stretch/>
+        </p:blipFill>
+        <p:spPr>
+          <a:xfrm>
+            <a:off x="5188731" y="2996952"/>
+            <a:ext cx="80462" cy="195337"/>
+          </a:xfrm>
+          <a:prstGeom prst="rect">
+            <a:avLst/>
+          </a:prstGeom>
+        </p:spPr>
+      </p:pic>
+      <p:pic>
+        <p:nvPicPr>
+          <p:cNvPr id="18" name="그림 17">
+            <a:extLst>
+              <a:ext uri="{FF2B5EF4-FFF2-40B4-BE49-F238E27FC236}">
+                <a16:creationId xmlns:a16="http://schemas.microsoft.com/office/drawing/2014/main" id="{7FA97CDA-DB38-4CB3-83AE-54E8AC2C6BDE}"/>
+              </a:ext>
+            </a:extLst>
+          </p:cNvPr>
+          <p:cNvPicPr>
+            <a:picLocks noChangeAspect="1"/>
+          </p:cNvPicPr>
+          <p:nvPr/>
+        </p:nvPicPr>
+        <p:blipFill rotWithShape="1">
+          <a:blip r:embed="rId5" cstate="print">
+            <a:extLst>
+              <a:ext uri="{28A0092B-C50C-407E-A947-70E740481C1C}">
+                <a14:useLocalDpi xmlns:a14="http://schemas.microsoft.com/office/drawing/2010/main" val="0"/>
+              </a:ext>
+            </a:extLst>
+          </a:blip>
+          <a:srcRect l="67526" t="11434" r="23617" b="77741"/>
+          <a:stretch/>
+        </p:blipFill>
+        <p:spPr>
+          <a:xfrm>
+            <a:off x="3503712" y="3282247"/>
+            <a:ext cx="87493" cy="170073"/>
+          </a:xfrm>
+          <a:prstGeom prst="rect">
+            <a:avLst/>
+          </a:prstGeom>
+        </p:spPr>
+      </p:pic>
+      <p:pic>
+        <p:nvPicPr>
+          <p:cNvPr id="19" name="그림 18">
+            <a:extLst>
+              <a:ext uri="{FF2B5EF4-FFF2-40B4-BE49-F238E27FC236}">
+                <a16:creationId xmlns:a16="http://schemas.microsoft.com/office/drawing/2014/main" id="{522A620E-13BC-4762-95A8-0669B34B1D05}"/>
+              </a:ext>
+            </a:extLst>
+          </p:cNvPr>
+          <p:cNvPicPr>
+            <a:picLocks noChangeAspect="1"/>
+          </p:cNvPicPr>
+          <p:nvPr/>
+        </p:nvPicPr>
+        <p:blipFill rotWithShape="1">
+          <a:blip r:embed="rId6" cstate="print">
+            <a:extLst>
+              <a:ext uri="{28A0092B-C50C-407E-A947-70E740481C1C}">
+                <a14:useLocalDpi xmlns:a14="http://schemas.microsoft.com/office/drawing/2010/main" val="0"/>
+              </a:ext>
+            </a:extLst>
+          </a:blip>
+          <a:srcRect l="4056" t="11154" r="89860" b="76678"/>
+          <a:stretch/>
+        </p:blipFill>
+        <p:spPr>
+          <a:xfrm>
+            <a:off x="3287688" y="2618920"/>
+            <a:ext cx="74453" cy="216000"/>
+          </a:xfrm>
+          <a:prstGeom prst="rect">
+            <a:avLst/>
+          </a:prstGeom>
+        </p:spPr>
+      </p:pic>
+      <p:pic>
+        <p:nvPicPr>
+          <p:cNvPr id="20" name="그림 19">
+            <a:extLst>
+              <a:ext uri="{FF2B5EF4-FFF2-40B4-BE49-F238E27FC236}">
+                <a16:creationId xmlns:a16="http://schemas.microsoft.com/office/drawing/2014/main" id="{FF7D646A-4279-4ECC-8E5D-869C30545F93}"/>
+              </a:ext>
+            </a:extLst>
+          </p:cNvPr>
+          <p:cNvPicPr>
+            <a:picLocks noChangeAspect="1"/>
+          </p:cNvPicPr>
+          <p:nvPr/>
+        </p:nvPicPr>
+        <p:blipFill rotWithShape="1">
+          <a:blip r:embed="rId7" cstate="print">
+            <a:extLst>
+              <a:ext uri="{28A0092B-C50C-407E-A947-70E740481C1C}">
+                <a14:useLocalDpi xmlns:a14="http://schemas.microsoft.com/office/drawing/2010/main" val="0"/>
+              </a:ext>
+            </a:extLst>
+          </a:blip>
+          <a:srcRect l="89900" t="11151" r="2750" b="77299"/>
+          <a:stretch/>
+        </p:blipFill>
+        <p:spPr>
+          <a:xfrm>
+            <a:off x="4943872" y="3288057"/>
+            <a:ext cx="74610" cy="170073"/>
+          </a:xfrm>
+          <a:prstGeom prst="rect">
+            <a:avLst/>
+          </a:prstGeom>
+        </p:spPr>
+      </p:pic>
+    </p:spTree>
+    <p:extLst>
+      <p:ext uri="{BB962C8B-B14F-4D97-AF65-F5344CB8AC3E}">
+        <p14:creationId xmlns:p14="http://schemas.microsoft.com/office/powerpoint/2010/main" val="1054135069"/>
+      </p:ext>
+    </p:extLst>
+  </p:cSld>
+  <p:clrMapOvr>
+    <a:masterClrMapping/>
+  </p:clrMapOvr>
+</p:sld>
+</file>
+
+<file path=ppt/slides/slide15.xml><?xml version="1.0" encoding="utf-8"?>
+<p:sld xmlns:a="http://schemas.openxmlformats.org/drawingml/2006/main" xmlns:r="http://schemas.openxmlformats.org/officeDocument/2006/relationships" xmlns:p="http://schemas.openxmlformats.org/presentationml/2006/main">
+  <p:cSld>
+    <p:spTree>
+      <p:nvGrpSpPr>
+        <p:cNvPr id="1" name=""/>
+        <p:cNvGrpSpPr/>
+        <p:nvPr/>
+      </p:nvGrpSpPr>
+      <p:grpSpPr>
+        <a:xfrm>
+          <a:off x="0" y="0"/>
+          <a:ext cx="0" cy="0"/>
+          <a:chOff x="0" y="0"/>
+          <a:chExt cx="0" cy="0"/>
+        </a:xfrm>
+      </p:grpSpPr>
+      <p:sp>
+        <p:nvSpPr>
+          <p:cNvPr id="4" name="텍스트 개체 틀 3">
+            <a:extLst>
+              <a:ext uri="{FF2B5EF4-FFF2-40B4-BE49-F238E27FC236}">
+                <a16:creationId xmlns:a16="http://schemas.microsoft.com/office/drawing/2014/main" id="{32E285E0-25D1-4806-B9DF-3590BD92D435}"/>
+              </a:ext>
+            </a:extLst>
+          </p:cNvPr>
+          <p:cNvSpPr>
+            <a:spLocks noGrp="1"/>
+          </p:cNvSpPr>
+          <p:nvPr>
+            <p:ph type="body" sz="quarter" idx="10"/>
+          </p:nvPr>
+        </p:nvSpPr>
+        <p:spPr/>
+        <p:txBody>
+          <a:bodyPr/>
+          <a:lstStyle/>
+          <a:p>
+            <a:r>
+              <a:rPr lang="en-US" altLang="ko-KR" dirty="0"/>
+              <a:t>changePw.html</a:t>
+            </a:r>
+            <a:endParaRPr lang="ko-KR" altLang="en-US" dirty="0"/>
+          </a:p>
+        </p:txBody>
+      </p:sp>
+      <p:sp>
+        <p:nvSpPr>
+          <p:cNvPr id="5" name="텍스트 개체 틀 4">
+            <a:extLst>
+              <a:ext uri="{FF2B5EF4-FFF2-40B4-BE49-F238E27FC236}">
+                <a16:creationId xmlns:a16="http://schemas.microsoft.com/office/drawing/2014/main" id="{181CE6EC-43A5-4409-9C12-1C3782E8CB22}"/>
+              </a:ext>
+            </a:extLst>
+          </p:cNvPr>
+          <p:cNvSpPr>
+            <a:spLocks noGrp="1"/>
+          </p:cNvSpPr>
+          <p:nvPr>
+            <p:ph type="body" sz="quarter" idx="11"/>
+          </p:nvPr>
+        </p:nvSpPr>
+        <p:spPr/>
+        <p:txBody>
+          <a:bodyPr/>
+          <a:lstStyle/>
+          <a:p>
+            <a:r>
+              <a:rPr lang="ko-KR" altLang="en-US" dirty="0"/>
+              <a:t>로그인</a:t>
+            </a:r>
+          </a:p>
+        </p:txBody>
+      </p:sp>
+      <p:graphicFrame>
+        <p:nvGraphicFramePr>
+          <p:cNvPr id="7" name="표 6">
+            <a:extLst>
+              <a:ext uri="{FF2B5EF4-FFF2-40B4-BE49-F238E27FC236}">
+                <a16:creationId xmlns:a16="http://schemas.microsoft.com/office/drawing/2014/main" id="{EE672C9C-2796-4CD4-B138-FB14ECB9EFA6}"/>
+              </a:ext>
+            </a:extLst>
+          </p:cNvPr>
+          <p:cNvGraphicFramePr>
+            <a:graphicFrameLocks noGrp="1"/>
+          </p:cNvGraphicFramePr>
+          <p:nvPr>
+            <p:extLst>
+              <p:ext uri="{D42A27DB-BD31-4B8C-83A1-F6EECF244321}">
+                <p14:modId xmlns:p14="http://schemas.microsoft.com/office/powerpoint/2010/main" val="295034305"/>
+              </p:ext>
+            </p:extLst>
+          </p:nvPr>
+        </p:nvGraphicFramePr>
+        <p:xfrm>
+          <a:off x="8688288" y="476672"/>
+          <a:ext cx="3384376" cy="1769933"/>
+        </p:xfrm>
+        <a:graphic>
+          <a:graphicData uri="http://schemas.openxmlformats.org/drawingml/2006/table">
+            <a:tbl>
+              <a:tblPr firstRow="1" bandRow="1">
+                <a:tableStyleId>{5C22544A-7EE6-4342-B048-85BDC9FD1C3A}</a:tableStyleId>
+              </a:tblPr>
+              <a:tblGrid>
+                <a:gridCol w="403256">
+                  <a:extLst>
+                    <a:ext uri="{9D8B030D-6E8A-4147-A177-3AD203B41FA5}">
+                      <a16:colId xmlns:a16="http://schemas.microsoft.com/office/drawing/2014/main" val="74772085"/>
+                    </a:ext>
+                  </a:extLst>
+                </a:gridCol>
+                <a:gridCol w="2981120">
+                  <a:extLst>
+                    <a:ext uri="{9D8B030D-6E8A-4147-A177-3AD203B41FA5}">
+                      <a16:colId xmlns:a16="http://schemas.microsoft.com/office/drawing/2014/main" val="2572474025"/>
+                    </a:ext>
+                  </a:extLst>
+                </a:gridCol>
+              </a:tblGrid>
+              <a:tr h="258850">
+                <a:tc gridSpan="2">
+                  <a:txBody>
+                    <a:bodyPr/>
+                    <a:lstStyle/>
+                    <a:p>
+                      <a:pPr marL="0" marR="0" lvl="0" indent="0" algn="l" defTabSz="914400" rtl="0" eaLnBrk="1" fontAlgn="auto" latinLnBrk="1" hangingPunct="1">
+                        <a:lnSpc>
+                          <a:spcPct val="100000"/>
+                        </a:lnSpc>
+                        <a:spcBef>
+                          <a:spcPts val="0"/>
+                        </a:spcBef>
+                        <a:spcAft>
+                          <a:spcPts val="0"/>
+                        </a:spcAft>
+                        <a:buClrTx/>
+                        <a:buSzTx/>
+                        <a:buFontTx/>
+                        <a:buNone/>
+                        <a:tabLst/>
+                        <a:defRPr/>
+                      </a:pPr>
+                      <a:r>
+                        <a:rPr lang="en-US" altLang="ko-KR" sz="900" b="1" dirty="0">
+                          <a:solidFill>
+                            <a:srgbClr val="4E5263"/>
+                          </a:solidFill>
+                          <a:latin typeface="+mn-ea"/>
+                          <a:ea typeface="+mn-ea"/>
+                          <a:sym typeface="맑은 고딕"/>
+                        </a:rPr>
+                        <a:t>Summery. </a:t>
+                      </a:r>
+                      <a:r>
+                        <a:rPr lang="ko-KR" altLang="en-US" sz="900" b="1" dirty="0">
+                          <a:solidFill>
+                            <a:srgbClr val="4E5263"/>
+                          </a:solidFill>
+                          <a:latin typeface="+mn-ea"/>
+                          <a:ea typeface="+mn-ea"/>
+                          <a:sym typeface="맑은 고딕"/>
+                        </a:rPr>
+                        <a:t>비밀번호 변경 페이지</a:t>
+                      </a:r>
+                      <a:endParaRPr lang="en" altLang="ko-KR" sz="900" b="1" dirty="0">
+                        <a:solidFill>
+                          <a:srgbClr val="4E5263"/>
+                        </a:solidFill>
+                        <a:latin typeface="+mn-ea"/>
+                        <a:ea typeface="+mn-ea"/>
+                        <a:sym typeface="맑은 고딕"/>
+                      </a:endParaRPr>
+                    </a:p>
+                  </a:txBody>
+                  <a:tcPr anchor="ctr">
+                    <a:lnL w="3175" cap="flat" cmpd="sng" algn="ctr">
+                      <a:noFill/>
+                      <a:prstDash val="solid"/>
+                      <a:round/>
+                      <a:headEnd type="none" w="med" len="med"/>
+                      <a:tailEnd type="none" w="med" len="med"/>
+                    </a:lnL>
+                    <a:lnR w="3175" cap="flat" cmpd="sng" algn="ctr">
+                      <a:noFill/>
+                      <a:prstDash val="solid"/>
+                      <a:round/>
+                      <a:headEnd type="none" w="med" len="med"/>
+                      <a:tailEnd type="none" w="med" len="med"/>
+                    </a:lnR>
+                    <a:lnT w="3175" cap="flat" cmpd="sng" algn="ctr">
+                      <a:noFill/>
+                      <a:prstDash val="solid"/>
+                      <a:round/>
+                      <a:headEnd type="none" w="med" len="med"/>
+                      <a:tailEnd type="none" w="med" len="med"/>
+                    </a:lnT>
+                    <a:lnB w="3175" cap="flat" cmpd="sng" algn="ctr">
+                      <a:solidFill>
+                        <a:schemeClr val="bg1">
+                          <a:lumMod val="65000"/>
+                        </a:schemeClr>
+                      </a:solidFill>
+                      <a:prstDash val="solid"/>
+                      <a:round/>
+                      <a:headEnd type="none" w="med" len="med"/>
+                      <a:tailEnd type="none" w="med" len="med"/>
+                    </a:lnB>
+                    <a:solidFill>
+                      <a:schemeClr val="bg1"/>
+                    </a:solidFill>
+                  </a:tcPr>
+                </a:tc>
+                <a:tc hMerge="1">
+                  <a:txBody>
+                    <a:bodyPr/>
+                    <a:lstStyle/>
+                    <a:p>
+                      <a:pPr marL="0" marR="0" lvl="0" indent="0" algn="l" defTabSz="914400" rtl="0" eaLnBrk="1" fontAlgn="auto" latinLnBrk="1" hangingPunct="1">
+                        <a:lnSpc>
+                          <a:spcPct val="100000"/>
+                        </a:lnSpc>
+                        <a:spcBef>
+                          <a:spcPts val="0"/>
+                        </a:spcBef>
+                        <a:spcAft>
+                          <a:spcPts val="0"/>
+                        </a:spcAft>
+                        <a:buClrTx/>
+                        <a:buSzTx/>
+                        <a:buFontTx/>
+                        <a:buNone/>
+                        <a:tabLst/>
+                        <a:defRPr/>
+                      </a:pPr>
+                      <a:endParaRPr lang="en" altLang="ko-KR" sz="900" b="1" dirty="0">
+                        <a:solidFill>
+                          <a:srgbClr val="4E5263"/>
+                        </a:solidFill>
+                        <a:latin typeface="SF Pro Text" pitchFamily="2" charset="0"/>
+                        <a:ea typeface="SF Pro Text" pitchFamily="2" charset="0"/>
+                        <a:sym typeface="맑은 고딕"/>
+                      </a:endParaRPr>
+                    </a:p>
+                  </a:txBody>
+                  <a:tcPr anchor="ctr">
+                    <a:lnL w="3175" cap="flat" cmpd="sng" algn="ctr">
+                      <a:solidFill>
+                        <a:schemeClr val="tx1">
+                          <a:lumMod val="50000"/>
+                          <a:lumOff val="50000"/>
+                        </a:schemeClr>
+                      </a:solidFill>
+                      <a:prstDash val="solid"/>
+                      <a:round/>
+                      <a:headEnd type="none" w="med" len="med"/>
+                      <a:tailEnd type="none" w="med" len="med"/>
+                    </a:lnL>
+                    <a:lnR w="3175" cap="flat" cmpd="sng" algn="ctr">
+                      <a:noFill/>
+                      <a:prstDash val="solid"/>
+                      <a:round/>
+                      <a:headEnd type="none" w="med" len="med"/>
+                      <a:tailEnd type="none" w="med" len="med"/>
+                    </a:lnR>
+                    <a:lnT w="3175" cap="flat" cmpd="sng" algn="ctr">
+                      <a:noFill/>
+                      <a:prstDash val="solid"/>
+                      <a:round/>
+                      <a:headEnd type="none" w="med" len="med"/>
+                      <a:tailEnd type="none" w="med" len="med"/>
+                    </a:lnT>
+                    <a:lnB w="3175" cap="flat" cmpd="sng" algn="ctr">
+                      <a:solidFill>
+                        <a:schemeClr val="tx1">
+                          <a:lumMod val="50000"/>
+                          <a:lumOff val="50000"/>
+                        </a:schemeClr>
+                      </a:solidFill>
+                      <a:prstDash val="solid"/>
+                      <a:round/>
+                      <a:headEnd type="none" w="med" len="med"/>
+                      <a:tailEnd type="none" w="med" len="med"/>
+                    </a:lnB>
+                    <a:noFill/>
+                  </a:tcPr>
+                </a:tc>
+                <a:extLst>
+                  <a:ext uri="{0D108BD9-81ED-4DB2-BD59-A6C34878D82A}">
+                    <a16:rowId xmlns:a16="http://schemas.microsoft.com/office/drawing/2014/main" val="1283880267"/>
+                  </a:ext>
+                </a:extLst>
+              </a:tr>
+              <a:tr h="786307">
+                <a:tc gridSpan="2">
+                  <a:txBody>
+                    <a:bodyPr/>
+                    <a:lstStyle/>
+                    <a:p>
+                      <a:pPr marL="108000" marR="0" lvl="0" indent="-108000" algn="just" defTabSz="914400" rtl="0" eaLnBrk="1" fontAlgn="auto" latinLnBrk="1" hangingPunct="1">
+                        <a:lnSpc>
+                          <a:spcPct val="120000"/>
+                        </a:lnSpc>
+                        <a:spcBef>
+                          <a:spcPts val="0"/>
+                        </a:spcBef>
+                        <a:spcAft>
+                          <a:spcPts val="0"/>
+                        </a:spcAft>
+                        <a:buClrTx/>
+                        <a:buSzTx/>
+                        <a:buFont typeface="Arial" panose="020B0604020202020204" pitchFamily="34" charset="0"/>
+                        <a:buChar char="•"/>
+                        <a:tabLst/>
+                        <a:defRPr/>
+                      </a:pPr>
+                      <a:r>
+                        <a:rPr lang="ko-KR" altLang="en-US" sz="800" b="0" dirty="0">
+                          <a:solidFill>
+                            <a:schemeClr val="tx1"/>
+                          </a:solidFill>
+                          <a:latin typeface="+mn-ea"/>
+                          <a:ea typeface="+mn-ea"/>
+                          <a:sym typeface="맑은 고딕"/>
+                        </a:rPr>
+                        <a:t>아이디와 핸드폰 번호 인증을 통해 비밀번호를 찾을 수 있습니다</a:t>
+                      </a:r>
+                      <a:r>
+                        <a:rPr lang="en-US" altLang="ko-KR" sz="800" b="0" dirty="0">
+                          <a:solidFill>
+                            <a:schemeClr val="tx1"/>
+                          </a:solidFill>
+                          <a:latin typeface="+mn-ea"/>
+                          <a:ea typeface="+mn-ea"/>
+                          <a:sym typeface="맑은 고딕"/>
+                        </a:rPr>
+                        <a:t>.</a:t>
+                      </a:r>
+                    </a:p>
+                  </a:txBody>
+                  <a:tcPr anchor="ctr">
+                    <a:lnL w="3175" cap="flat" cmpd="sng" algn="ctr">
+                      <a:noFill/>
+                      <a:prstDash val="solid"/>
+                      <a:round/>
+                      <a:headEnd type="none" w="med" len="med"/>
+                      <a:tailEnd type="none" w="med" len="med"/>
+                    </a:lnL>
+                    <a:lnR w="3175" cap="flat" cmpd="sng" algn="ctr">
+                      <a:noFill/>
+                      <a:prstDash val="solid"/>
+                      <a:round/>
+                      <a:headEnd type="none" w="med" len="med"/>
+                      <a:tailEnd type="none" w="med" len="med"/>
+                    </a:lnR>
+                    <a:lnT w="3175" cap="flat" cmpd="sng" algn="ctr">
+                      <a:solidFill>
+                        <a:schemeClr val="bg1">
+                          <a:lumMod val="65000"/>
+                        </a:schemeClr>
+                      </a:solidFill>
+                      <a:prstDash val="solid"/>
+                      <a:round/>
+                      <a:headEnd type="none" w="med" len="med"/>
+                      <a:tailEnd type="none" w="med" len="med"/>
+                    </a:lnT>
+                    <a:lnB w="3175" cap="flat" cmpd="sng" algn="ctr">
+                      <a:solidFill>
+                        <a:schemeClr val="tx1">
+                          <a:lumMod val="50000"/>
+                          <a:lumOff val="50000"/>
+                        </a:schemeClr>
+                      </a:solidFill>
+                      <a:prstDash val="solid"/>
+                      <a:round/>
+                      <a:headEnd type="none" w="med" len="med"/>
+                      <a:tailEnd type="none" w="med" len="med"/>
+                    </a:lnB>
+                    <a:noFill/>
+                  </a:tcPr>
+                </a:tc>
+                <a:tc hMerge="1">
+                  <a:txBody>
+                    <a:bodyPr/>
+                    <a:lstStyle/>
+                    <a:p>
+                      <a:pPr latinLnBrk="1"/>
+                      <a:endParaRPr lang="ko-KR" altLang="en-US"/>
+                    </a:p>
+                  </a:txBody>
+                  <a:tcPr/>
+                </a:tc>
+                <a:extLst>
+                  <a:ext uri="{0D108BD9-81ED-4DB2-BD59-A6C34878D82A}">
+                    <a16:rowId xmlns:a16="http://schemas.microsoft.com/office/drawing/2014/main" val="3072083066"/>
+                  </a:ext>
+                </a:extLst>
+              </a:tr>
+              <a:tr h="241592">
+                <a:tc>
+                  <a:txBody>
+                    <a:bodyPr/>
+                    <a:lstStyle/>
+                    <a:p>
+                      <a:pPr algn="ctr" latinLnBrk="1">
+                        <a:lnSpc>
+                          <a:spcPct val="120000"/>
+                        </a:lnSpc>
+                      </a:pPr>
+                      <a:r>
+                        <a:rPr lang="en-US" altLang="ko-KR" sz="850" b="0" dirty="0">
+                          <a:solidFill>
+                            <a:schemeClr val="tx1"/>
+                          </a:solidFill>
+                          <a:latin typeface="+mn-ea"/>
+                          <a:ea typeface="+mn-ea"/>
+                        </a:rPr>
+                        <a:t>1</a:t>
+                      </a:r>
+                      <a:endParaRPr lang="ko-KR" altLang="en-US" sz="850" b="0" dirty="0">
+                        <a:solidFill>
+                          <a:schemeClr val="tx1"/>
+                        </a:solidFill>
+                        <a:latin typeface="+mn-ea"/>
+                        <a:ea typeface="+mn-ea"/>
+                      </a:endParaRPr>
+                    </a:p>
+                  </a:txBody>
+                  <a:tcPr anchor="ctr">
+                    <a:lnL w="3175" cap="flat" cmpd="sng" algn="ctr">
+                      <a:noFill/>
+                      <a:prstDash val="solid"/>
+                      <a:round/>
+                      <a:headEnd type="none" w="med" len="med"/>
+                      <a:tailEnd type="none" w="med" len="med"/>
+                    </a:lnL>
+                    <a:lnR w="3175" cap="flat" cmpd="sng" algn="ctr">
+                      <a:solidFill>
+                        <a:schemeClr val="tx1">
+                          <a:lumMod val="50000"/>
+                          <a:lumOff val="50000"/>
+                        </a:schemeClr>
+                      </a:solidFill>
+                      <a:prstDash val="solid"/>
+                      <a:round/>
+                      <a:headEnd type="none" w="med" len="med"/>
+                      <a:tailEnd type="none" w="med" len="med"/>
+                    </a:lnR>
+                    <a:lnT w="3175" cap="flat" cmpd="sng" algn="ctr">
+                      <a:solidFill>
+                        <a:schemeClr val="tx1">
+                          <a:lumMod val="50000"/>
+                          <a:lumOff val="50000"/>
+                        </a:schemeClr>
+                      </a:solidFill>
+                      <a:prstDash val="solid"/>
+                      <a:round/>
+                      <a:headEnd type="none" w="med" len="med"/>
+                      <a:tailEnd type="none" w="med" len="med"/>
+                    </a:lnT>
+                    <a:lnB w="3175" cap="flat" cmpd="sng" algn="ctr">
+                      <a:solidFill>
+                        <a:schemeClr val="tx1">
+                          <a:lumMod val="50000"/>
+                          <a:lumOff val="50000"/>
+                        </a:schemeClr>
+                      </a:solidFill>
+                      <a:prstDash val="solid"/>
+                      <a:round/>
+                      <a:headEnd type="none" w="med" len="med"/>
+                      <a:tailEnd type="none" w="med" len="med"/>
+                    </a:lnB>
+                    <a:noFill/>
+                  </a:tcPr>
+                </a:tc>
+                <a:tc>
+                  <a:txBody>
+                    <a:bodyPr/>
+                    <a:lstStyle/>
+                    <a:p>
+                      <a:pPr algn="just" latinLnBrk="1">
+                        <a:lnSpc>
+                          <a:spcPct val="120000"/>
+                        </a:lnSpc>
+                      </a:pPr>
+                      <a:r>
+                        <a:rPr lang="ko-KR" altLang="en-US" sz="850" b="0" dirty="0">
+                          <a:latin typeface="+mn-ea"/>
+                          <a:ea typeface="+mn-ea"/>
+                        </a:rPr>
+                        <a:t>새로운 비밀번호를 입력 합니다</a:t>
+                      </a:r>
+                      <a:r>
+                        <a:rPr lang="en-US" altLang="ko-KR" sz="850" b="0" dirty="0">
+                          <a:latin typeface="+mn-ea"/>
+                          <a:ea typeface="+mn-ea"/>
+                        </a:rPr>
+                        <a:t>.</a:t>
+                      </a:r>
+                      <a:endParaRPr lang="ko-KR" altLang="en-US" sz="850" b="0" dirty="0">
+                        <a:latin typeface="+mn-ea"/>
+                        <a:ea typeface="+mn-ea"/>
+                      </a:endParaRPr>
+                    </a:p>
+                  </a:txBody>
+                  <a:tcPr anchor="ctr">
+                    <a:lnL w="3175" cap="flat" cmpd="sng" algn="ctr">
+                      <a:solidFill>
+                        <a:schemeClr val="tx1">
+                          <a:lumMod val="50000"/>
+                          <a:lumOff val="50000"/>
+                        </a:schemeClr>
+                      </a:solidFill>
+                      <a:prstDash val="solid"/>
+                      <a:round/>
+                      <a:headEnd type="none" w="med" len="med"/>
+                      <a:tailEnd type="none" w="med" len="med"/>
+                    </a:lnL>
+                    <a:lnR w="3175" cap="flat" cmpd="sng" algn="ctr">
+                      <a:noFill/>
+                      <a:prstDash val="solid"/>
+                      <a:round/>
+                      <a:headEnd type="none" w="med" len="med"/>
+                      <a:tailEnd type="none" w="med" len="med"/>
+                    </a:lnR>
+                    <a:lnT w="3175" cap="flat" cmpd="sng" algn="ctr">
+                      <a:solidFill>
+                        <a:schemeClr val="tx1">
+                          <a:lumMod val="50000"/>
+                          <a:lumOff val="50000"/>
+                        </a:schemeClr>
+                      </a:solidFill>
+                      <a:prstDash val="solid"/>
+                      <a:round/>
+                      <a:headEnd type="none" w="med" len="med"/>
+                      <a:tailEnd type="none" w="med" len="med"/>
+                    </a:lnT>
+                    <a:lnB w="3175" cap="flat" cmpd="sng" algn="ctr">
+                      <a:solidFill>
+                        <a:schemeClr val="tx1">
+                          <a:lumMod val="50000"/>
+                          <a:lumOff val="50000"/>
+                        </a:schemeClr>
+                      </a:solidFill>
+                      <a:prstDash val="solid"/>
+                      <a:round/>
+                      <a:headEnd type="none" w="med" len="med"/>
+                      <a:tailEnd type="none" w="med" len="med"/>
+                    </a:lnB>
+                    <a:noFill/>
+                  </a:tcPr>
+                </a:tc>
+                <a:extLst>
+                  <a:ext uri="{0D108BD9-81ED-4DB2-BD59-A6C34878D82A}">
+                    <a16:rowId xmlns:a16="http://schemas.microsoft.com/office/drawing/2014/main" val="896699591"/>
+                  </a:ext>
+                </a:extLst>
+              </a:tr>
+              <a:tr h="241592">
+                <a:tc>
+                  <a:txBody>
+                    <a:bodyPr/>
+                    <a:lstStyle/>
+                    <a:p>
+                      <a:pPr algn="ctr" latinLnBrk="1">
+                        <a:lnSpc>
+                          <a:spcPct val="120000"/>
+                        </a:lnSpc>
+                      </a:pPr>
+                      <a:r>
+                        <a:rPr lang="en-US" altLang="ko-KR" sz="850" b="0" dirty="0">
+                          <a:latin typeface="+mn-ea"/>
+                          <a:ea typeface="+mn-ea"/>
+                        </a:rPr>
+                        <a:t>2</a:t>
+                      </a:r>
+                      <a:endParaRPr lang="ko-KR" altLang="en-US" sz="850" b="0" dirty="0">
+                        <a:latin typeface="+mn-ea"/>
+                        <a:ea typeface="+mn-ea"/>
+                      </a:endParaRPr>
+                    </a:p>
+                  </a:txBody>
+                  <a:tcPr anchor="ctr">
+                    <a:lnL w="3175" cap="flat" cmpd="sng" algn="ctr">
+                      <a:noFill/>
+                      <a:prstDash val="solid"/>
+                      <a:round/>
+                      <a:headEnd type="none" w="med" len="med"/>
+                      <a:tailEnd type="none" w="med" len="med"/>
+                    </a:lnL>
+                    <a:lnR w="3175" cap="flat" cmpd="sng" algn="ctr">
+                      <a:solidFill>
+                        <a:schemeClr val="tx1">
+                          <a:lumMod val="50000"/>
+                          <a:lumOff val="50000"/>
+                        </a:schemeClr>
+                      </a:solidFill>
+                      <a:prstDash val="solid"/>
+                      <a:round/>
+                      <a:headEnd type="none" w="med" len="med"/>
+                      <a:tailEnd type="none" w="med" len="med"/>
+                    </a:lnR>
+                    <a:lnT w="3175" cap="flat" cmpd="sng" algn="ctr">
+                      <a:solidFill>
+                        <a:schemeClr val="tx1">
+                          <a:lumMod val="50000"/>
+                          <a:lumOff val="50000"/>
+                        </a:schemeClr>
+                      </a:solidFill>
+                      <a:prstDash val="solid"/>
+                      <a:round/>
+                      <a:headEnd type="none" w="med" len="med"/>
+                      <a:tailEnd type="none" w="med" len="med"/>
+                    </a:lnT>
+                    <a:lnB w="3175" cap="flat" cmpd="sng" algn="ctr">
+                      <a:solidFill>
+                        <a:schemeClr val="tx1">
+                          <a:lumMod val="50000"/>
+                          <a:lumOff val="50000"/>
+                        </a:schemeClr>
+                      </a:solidFill>
+                      <a:prstDash val="solid"/>
+                      <a:round/>
+                      <a:headEnd type="none" w="med" len="med"/>
+                      <a:tailEnd type="none" w="med" len="med"/>
+                    </a:lnB>
+                    <a:noFill/>
+                  </a:tcPr>
+                </a:tc>
+                <a:tc>
+                  <a:txBody>
+                    <a:bodyPr/>
+                    <a:lstStyle/>
+                    <a:p>
+                      <a:pPr marL="0" marR="0" lvl="0" indent="0" algn="just" defTabSz="914400" rtl="0" eaLnBrk="1" fontAlgn="auto" latinLnBrk="1" hangingPunct="1">
+                        <a:lnSpc>
+                          <a:spcPct val="120000"/>
+                        </a:lnSpc>
+                        <a:spcBef>
+                          <a:spcPts val="0"/>
+                        </a:spcBef>
+                        <a:spcAft>
+                          <a:spcPts val="0"/>
+                        </a:spcAft>
+                        <a:buClrTx/>
+                        <a:buSzTx/>
+                        <a:buFontTx/>
+                        <a:buNone/>
+                        <a:tabLst/>
+                        <a:defRPr/>
+                      </a:pPr>
+                      <a:r>
+                        <a:rPr kumimoji="1" lang="ko-KR" altLang="en-US" sz="850" dirty="0">
+                          <a:solidFill>
+                            <a:schemeClr val="tx1"/>
+                          </a:solidFill>
+                          <a:latin typeface="+mn-ea"/>
+                        </a:rPr>
+                        <a:t>클릭 시 알림 창과 함께 비밀번호가 변경됩니다</a:t>
+                      </a:r>
+                      <a:r>
+                        <a:rPr kumimoji="1" lang="en-US" altLang="ko-KR" sz="850" dirty="0">
+                          <a:solidFill>
+                            <a:schemeClr val="tx1"/>
+                          </a:solidFill>
+                          <a:latin typeface="+mn-ea"/>
+                        </a:rPr>
+                        <a:t>.</a:t>
+                      </a:r>
+                      <a:endParaRPr kumimoji="1" lang="ko-KR" altLang="en-US" sz="850" dirty="0">
+                        <a:solidFill>
+                          <a:schemeClr val="tx1"/>
+                        </a:solidFill>
+                        <a:latin typeface="+mn-ea"/>
+                      </a:endParaRPr>
+                    </a:p>
+                  </a:txBody>
+                  <a:tcPr anchor="ctr">
+                    <a:lnL w="3175" cap="flat" cmpd="sng" algn="ctr">
+                      <a:solidFill>
+                        <a:schemeClr val="tx1">
+                          <a:lumMod val="50000"/>
+                          <a:lumOff val="50000"/>
+                        </a:schemeClr>
+                      </a:solidFill>
+                      <a:prstDash val="solid"/>
+                      <a:round/>
+                      <a:headEnd type="none" w="med" len="med"/>
+                      <a:tailEnd type="none" w="med" len="med"/>
+                    </a:lnL>
+                    <a:lnR w="3175" cap="flat" cmpd="sng" algn="ctr">
+                      <a:noFill/>
+                      <a:prstDash val="solid"/>
+                      <a:round/>
+                      <a:headEnd type="none" w="med" len="med"/>
+                      <a:tailEnd type="none" w="med" len="med"/>
+                    </a:lnR>
+                    <a:lnT w="3175" cap="flat" cmpd="sng" algn="ctr">
+                      <a:solidFill>
+                        <a:schemeClr val="tx1">
+                          <a:lumMod val="50000"/>
+                          <a:lumOff val="50000"/>
+                        </a:schemeClr>
+                      </a:solidFill>
+                      <a:prstDash val="solid"/>
+                      <a:round/>
+                      <a:headEnd type="none" w="med" len="med"/>
+                      <a:tailEnd type="none" w="med" len="med"/>
+                    </a:lnT>
+                    <a:lnB w="3175" cap="flat" cmpd="sng" algn="ctr">
+                      <a:solidFill>
+                        <a:schemeClr val="tx1">
+                          <a:lumMod val="50000"/>
+                          <a:lumOff val="50000"/>
+                        </a:schemeClr>
+                      </a:solidFill>
+                      <a:prstDash val="solid"/>
+                      <a:round/>
+                      <a:headEnd type="none" w="med" len="med"/>
+                      <a:tailEnd type="none" w="med" len="med"/>
+                    </a:lnB>
+                    <a:noFill/>
+                  </a:tcPr>
+                </a:tc>
+                <a:extLst>
+                  <a:ext uri="{0D108BD9-81ED-4DB2-BD59-A6C34878D82A}">
+                    <a16:rowId xmlns:a16="http://schemas.microsoft.com/office/drawing/2014/main" val="2972133637"/>
+                  </a:ext>
+                </a:extLst>
+              </a:tr>
+              <a:tr h="241592">
+                <a:tc>
+                  <a:txBody>
+                    <a:bodyPr/>
+                    <a:lstStyle/>
+                    <a:p>
+                      <a:pPr algn="ctr" latinLnBrk="1">
+                        <a:lnSpc>
+                          <a:spcPct val="120000"/>
+                        </a:lnSpc>
+                      </a:pPr>
+                      <a:r>
+                        <a:rPr lang="en-US" altLang="ko-KR" sz="850" b="0" dirty="0">
+                          <a:latin typeface="+mn-ea"/>
+                          <a:ea typeface="+mn-ea"/>
+                        </a:rPr>
+                        <a:t>3</a:t>
+                      </a:r>
+                      <a:endParaRPr lang="ko-KR" altLang="en-US" sz="850" b="0" dirty="0">
+                        <a:latin typeface="+mn-ea"/>
+                        <a:ea typeface="+mn-ea"/>
+                      </a:endParaRPr>
+                    </a:p>
+                  </a:txBody>
+                  <a:tcPr anchor="ctr">
+                    <a:lnL w="3175" cap="flat" cmpd="sng" algn="ctr">
+                      <a:noFill/>
+                      <a:prstDash val="solid"/>
+                      <a:round/>
+                      <a:headEnd type="none" w="med" len="med"/>
+                      <a:tailEnd type="none" w="med" len="med"/>
+                    </a:lnL>
+                    <a:lnR w="3175" cap="flat" cmpd="sng" algn="ctr">
+                      <a:solidFill>
+                        <a:schemeClr val="tx1">
+                          <a:lumMod val="50000"/>
+                          <a:lumOff val="50000"/>
+                        </a:schemeClr>
+                      </a:solidFill>
+                      <a:prstDash val="solid"/>
+                      <a:round/>
+                      <a:headEnd type="none" w="med" len="med"/>
+                      <a:tailEnd type="none" w="med" len="med"/>
+                    </a:lnR>
+                    <a:lnT w="3175" cap="flat" cmpd="sng" algn="ctr">
+                      <a:solidFill>
+                        <a:schemeClr val="tx1">
+                          <a:lumMod val="50000"/>
+                          <a:lumOff val="50000"/>
+                        </a:schemeClr>
+                      </a:solidFill>
+                      <a:prstDash val="solid"/>
+                      <a:round/>
+                      <a:headEnd type="none" w="med" len="med"/>
+                      <a:tailEnd type="none" w="med" len="med"/>
+                    </a:lnT>
+                    <a:lnB w="3175" cap="flat" cmpd="sng" algn="ctr">
+                      <a:solidFill>
+                        <a:schemeClr val="tx1">
+                          <a:lumMod val="50000"/>
+                          <a:lumOff val="50000"/>
+                        </a:schemeClr>
+                      </a:solidFill>
+                      <a:prstDash val="solid"/>
+                      <a:round/>
+                      <a:headEnd type="none" w="med" len="med"/>
+                      <a:tailEnd type="none" w="med" len="med"/>
+                    </a:lnB>
+                    <a:noFill/>
+                  </a:tcPr>
+                </a:tc>
+                <a:tc>
+                  <a:txBody>
+                    <a:bodyPr/>
+                    <a:lstStyle/>
+                    <a:p>
+                      <a:pPr algn="just" latinLnBrk="1">
+                        <a:lnSpc>
+                          <a:spcPct val="120000"/>
+                        </a:lnSpc>
+                      </a:pPr>
+                      <a:r>
+                        <a:rPr lang="ko-KR" altLang="en-US" sz="850" b="0" dirty="0">
+                          <a:latin typeface="+mn-ea"/>
+                          <a:ea typeface="+mn-ea"/>
+                        </a:rPr>
+                        <a:t>클릭 시 로그인 페이지로 이동 합니다</a:t>
+                      </a:r>
+                      <a:r>
+                        <a:rPr lang="en-US" altLang="ko-KR" sz="850" b="0" dirty="0">
+                          <a:latin typeface="+mn-ea"/>
+                          <a:ea typeface="+mn-ea"/>
+                        </a:rPr>
+                        <a:t>(Page.11</a:t>
+                      </a:r>
+                      <a:r>
+                        <a:rPr lang="ko-KR" altLang="en-US" sz="850" b="0" dirty="0">
+                          <a:latin typeface="+mn-ea"/>
+                          <a:ea typeface="+mn-ea"/>
+                        </a:rPr>
+                        <a:t> 참조</a:t>
+                      </a:r>
+                      <a:r>
+                        <a:rPr lang="en-US" altLang="ko-KR" sz="850" b="0" dirty="0">
+                          <a:latin typeface="+mn-ea"/>
+                          <a:ea typeface="+mn-ea"/>
+                        </a:rPr>
+                        <a:t>)</a:t>
+                      </a:r>
+                      <a:endParaRPr lang="ko-KR" altLang="en-US" sz="850" b="0" dirty="0">
+                        <a:latin typeface="+mn-ea"/>
+                        <a:ea typeface="+mn-ea"/>
+                      </a:endParaRPr>
+                    </a:p>
+                  </a:txBody>
+                  <a:tcPr anchor="ctr">
+                    <a:lnL w="3175" cap="flat" cmpd="sng" algn="ctr">
+                      <a:solidFill>
+                        <a:schemeClr val="tx1">
+                          <a:lumMod val="50000"/>
+                          <a:lumOff val="50000"/>
+                        </a:schemeClr>
+                      </a:solidFill>
+                      <a:prstDash val="solid"/>
+                      <a:round/>
+                      <a:headEnd type="none" w="med" len="med"/>
+                      <a:tailEnd type="none" w="med" len="med"/>
+                    </a:lnL>
+                    <a:lnR w="3175" cap="flat" cmpd="sng" algn="ctr">
+                      <a:noFill/>
+                      <a:prstDash val="solid"/>
+                      <a:round/>
+                      <a:headEnd type="none" w="med" len="med"/>
+                      <a:tailEnd type="none" w="med" len="med"/>
+                    </a:lnR>
+                    <a:lnT w="3175" cap="flat" cmpd="sng" algn="ctr">
+                      <a:solidFill>
+                        <a:schemeClr val="tx1">
+                          <a:lumMod val="50000"/>
+                          <a:lumOff val="50000"/>
+                        </a:schemeClr>
+                      </a:solidFill>
+                      <a:prstDash val="solid"/>
+                      <a:round/>
+                      <a:headEnd type="none" w="med" len="med"/>
+                      <a:tailEnd type="none" w="med" len="med"/>
+                    </a:lnT>
+                    <a:lnB w="3175" cap="flat" cmpd="sng" algn="ctr">
+                      <a:solidFill>
+                        <a:schemeClr val="tx1">
+                          <a:lumMod val="50000"/>
+                          <a:lumOff val="50000"/>
+                        </a:schemeClr>
+                      </a:solidFill>
+                      <a:prstDash val="solid"/>
+                      <a:round/>
+                      <a:headEnd type="none" w="med" len="med"/>
+                      <a:tailEnd type="none" w="med" len="med"/>
+                    </a:lnB>
+                    <a:noFill/>
+                  </a:tcPr>
+                </a:tc>
+                <a:extLst>
+                  <a:ext uri="{0D108BD9-81ED-4DB2-BD59-A6C34878D82A}">
+                    <a16:rowId xmlns:a16="http://schemas.microsoft.com/office/drawing/2014/main" val="2075783758"/>
+                  </a:ext>
+                </a:extLst>
+              </a:tr>
+            </a:tbl>
+          </a:graphicData>
+        </a:graphic>
+      </p:graphicFrame>
+      <p:sp>
+        <p:nvSpPr>
+          <p:cNvPr id="8" name="TextBox 7">
+            <a:extLst>
+              <a:ext uri="{FF2B5EF4-FFF2-40B4-BE49-F238E27FC236}">
+                <a16:creationId xmlns:a16="http://schemas.microsoft.com/office/drawing/2014/main" id="{DDF58C48-5157-4FFA-B714-C02B198B9885}"/>
+              </a:ext>
+            </a:extLst>
+          </p:cNvPr>
+          <p:cNvSpPr txBox="1"/>
+          <p:nvPr/>
+        </p:nvSpPr>
+        <p:spPr>
+          <a:xfrm>
+            <a:off x="11780252" y="106980"/>
+            <a:ext cx="248786" cy="230832"/>
+          </a:xfrm>
+          <a:prstGeom prst="rect">
+            <a:avLst/>
+          </a:prstGeom>
+          <a:noFill/>
+        </p:spPr>
+        <p:txBody>
+          <a:bodyPr wrap="none" rtlCol="0">
+            <a:spAutoFit/>
+          </a:bodyPr>
+          <a:lstStyle/>
+          <a:p>
+            <a:fld id="{944918D1-1C8F-48E6-92D4-4089F97E8793}" type="slidenum">
+              <a:rPr lang="ko-KR" altLang="en-US" sz="900" smtClean="0"/>
+              <a:t>15</a:t>
+            </a:fld>
+            <a:endParaRPr lang="ko-KR" altLang="en-US" sz="900" dirty="0"/>
+          </a:p>
+        </p:txBody>
+      </p:sp>
+      <p:pic>
+        <p:nvPicPr>
+          <p:cNvPr id="3" name="그림 2">
+            <a:extLst>
+              <a:ext uri="{FF2B5EF4-FFF2-40B4-BE49-F238E27FC236}">
+                <a16:creationId xmlns:a16="http://schemas.microsoft.com/office/drawing/2014/main" id="{5463D7BD-D994-40EE-ACCF-4B57F013C863}"/>
+              </a:ext>
+            </a:extLst>
+          </p:cNvPr>
+          <p:cNvPicPr preferRelativeResize="0">
+            <a:picLocks/>
+          </p:cNvPicPr>
+          <p:nvPr/>
+        </p:nvPicPr>
+        <p:blipFill>
+          <a:blip r:embed="rId2">
+            <a:extLst>
+              <a:ext uri="{28A0092B-C50C-407E-A947-70E740481C1C}">
+                <a14:useLocalDpi xmlns:a14="http://schemas.microsoft.com/office/drawing/2010/main" val="0"/>
+              </a:ext>
+            </a:extLst>
+          </a:blip>
+          <a:stretch>
+            <a:fillRect/>
+          </a:stretch>
+        </p:blipFill>
+        <p:spPr>
+          <a:xfrm>
+            <a:off x="45945" y="765184"/>
+            <a:ext cx="8488800" cy="4320000"/>
+          </a:xfrm>
+          <a:prstGeom prst="rect">
+            <a:avLst/>
+          </a:prstGeom>
+        </p:spPr>
+      </p:pic>
+      <p:pic>
+        <p:nvPicPr>
+          <p:cNvPr id="15" name="그림 14">
+            <a:extLst>
+              <a:ext uri="{FF2B5EF4-FFF2-40B4-BE49-F238E27FC236}">
+                <a16:creationId xmlns:a16="http://schemas.microsoft.com/office/drawing/2014/main" id="{CF020DFE-A0AF-4049-883C-1D2D5413C01A}"/>
+              </a:ext>
+            </a:extLst>
+          </p:cNvPr>
+          <p:cNvPicPr>
+            <a:picLocks noChangeAspect="1"/>
+          </p:cNvPicPr>
+          <p:nvPr/>
+        </p:nvPicPr>
+        <p:blipFill rotWithShape="1">
+          <a:blip r:embed="rId3" cstate="print">
+            <a:extLst>
+              <a:ext uri="{28A0092B-C50C-407E-A947-70E740481C1C}">
+                <a14:useLocalDpi xmlns:a14="http://schemas.microsoft.com/office/drawing/2010/main" val="0"/>
+              </a:ext>
+            </a:extLst>
+          </a:blip>
+          <a:srcRect l="23750" t="11151" r="65750" b="77299"/>
+          <a:stretch/>
+        </p:blipFill>
+        <p:spPr>
+          <a:xfrm>
+            <a:off x="3575720" y="2815306"/>
+            <a:ext cx="99282" cy="195337"/>
+          </a:xfrm>
+          <a:prstGeom prst="rect">
+            <a:avLst/>
+          </a:prstGeom>
+        </p:spPr>
+      </p:pic>
+      <p:pic>
+        <p:nvPicPr>
+          <p:cNvPr id="17" name="그림 16">
+            <a:extLst>
+              <a:ext uri="{FF2B5EF4-FFF2-40B4-BE49-F238E27FC236}">
+                <a16:creationId xmlns:a16="http://schemas.microsoft.com/office/drawing/2014/main" id="{1DAF3A60-097B-4A9C-B1B5-01E4B49714E5}"/>
+              </a:ext>
+            </a:extLst>
+          </p:cNvPr>
+          <p:cNvPicPr>
+            <a:picLocks noChangeAspect="1"/>
+          </p:cNvPicPr>
+          <p:nvPr/>
+        </p:nvPicPr>
+        <p:blipFill rotWithShape="1">
+          <a:blip r:embed="rId4" cstate="print">
+            <a:extLst>
+              <a:ext uri="{28A0092B-C50C-407E-A947-70E740481C1C}">
+                <a14:useLocalDpi xmlns:a14="http://schemas.microsoft.com/office/drawing/2010/main" val="0"/>
+              </a:ext>
+            </a:extLst>
+          </a:blip>
+          <a:srcRect l="45800" t="11151" r="44750" b="77299"/>
+          <a:stretch/>
+        </p:blipFill>
+        <p:spPr>
+          <a:xfrm>
+            <a:off x="4871864" y="2827515"/>
+            <a:ext cx="80462" cy="195337"/>
+          </a:xfrm>
+          <a:prstGeom prst="rect">
+            <a:avLst/>
+          </a:prstGeom>
+        </p:spPr>
+      </p:pic>
+      <p:pic>
+        <p:nvPicPr>
+          <p:cNvPr id="19" name="그림 18">
+            <a:extLst>
+              <a:ext uri="{FF2B5EF4-FFF2-40B4-BE49-F238E27FC236}">
+                <a16:creationId xmlns:a16="http://schemas.microsoft.com/office/drawing/2014/main" id="{522A620E-13BC-4762-95A8-0669B34B1D05}"/>
+              </a:ext>
+            </a:extLst>
+          </p:cNvPr>
+          <p:cNvPicPr>
+            <a:picLocks noChangeAspect="1"/>
+          </p:cNvPicPr>
+          <p:nvPr/>
+        </p:nvPicPr>
+        <p:blipFill rotWithShape="1">
+          <a:blip r:embed="rId5" cstate="print">
+            <a:extLst>
+              <a:ext uri="{28A0092B-C50C-407E-A947-70E740481C1C}">
+                <a14:useLocalDpi xmlns:a14="http://schemas.microsoft.com/office/drawing/2010/main" val="0"/>
+              </a:ext>
+            </a:extLst>
+          </a:blip>
+          <a:srcRect l="4056" t="11154" r="89860" b="76678"/>
+          <a:stretch/>
+        </p:blipFill>
+        <p:spPr>
+          <a:xfrm>
+            <a:off x="2927648" y="2348880"/>
+            <a:ext cx="74453" cy="216000"/>
+          </a:xfrm>
+          <a:prstGeom prst="rect">
+            <a:avLst/>
+          </a:prstGeom>
+        </p:spPr>
+      </p:pic>
+    </p:spTree>
+    <p:extLst>
+      <p:ext uri="{BB962C8B-B14F-4D97-AF65-F5344CB8AC3E}">
+        <p14:creationId xmlns:p14="http://schemas.microsoft.com/office/powerpoint/2010/main" val="4250929421"/>
       </p:ext>
     </p:extLst>
   </p:cSld>
@@ -36160,7 +38903,7 @@
         <p:spPr>
           <a:xfrm>
             <a:off x="44808" y="764704"/>
-            <a:ext cx="8489364" cy="4319604"/>
+            <a:ext cx="8490142" cy="4320000"/>
           </a:xfrm>
           <a:prstGeom prst="rect">
             <a:avLst/>
@@ -37464,10 +40207,10 @@
       </p:sp>
       <p:pic>
         <p:nvPicPr>
-          <p:cNvPr id="3" name="그림 2" descr="텍스트, 스크린샷, 모니터이(가) 표시된 사진&#10;&#10;자동 생성된 설명">
+          <p:cNvPr id="6" name="그림 5">
             <a:extLst>
               <a:ext uri="{FF2B5EF4-FFF2-40B4-BE49-F238E27FC236}">
-                <a16:creationId xmlns:a16="http://schemas.microsoft.com/office/drawing/2014/main" id="{86BEBFD3-E690-481D-B47E-4B3AFE623DA4}"/>
+                <a16:creationId xmlns:a16="http://schemas.microsoft.com/office/drawing/2014/main" id="{0B1FA06C-9E24-430B-A878-7AEE4AE41C09}"/>
               </a:ext>
             </a:extLst>
           </p:cNvPr>
@@ -37476,7 +40219,7 @@
           </p:cNvPicPr>
           <p:nvPr/>
         </p:nvPicPr>
-        <p:blipFill rotWithShape="1">
+        <p:blipFill>
           <a:blip r:embed="rId2">
             <a:extLst>
               <a:ext uri="{28A0092B-C50C-407E-A947-70E740481C1C}">
@@ -37484,13 +40227,14 @@
               </a:ext>
             </a:extLst>
           </a:blip>
-          <a:srcRect t="5988" r="974" b="4417"/>
-          <a:stretch/>
+          <a:stretch>
+            <a:fillRect/>
+          </a:stretch>
         </p:blipFill>
         <p:spPr>
           <a:xfrm>
-            <a:off x="72009" y="764704"/>
-            <a:ext cx="8489364" cy="4320480"/>
+            <a:off x="39088" y="764704"/>
+            <a:ext cx="8488799" cy="4320000"/>
           </a:xfrm>
           <a:prstGeom prst="rect">
             <a:avLst/>
@@ -37524,7 +40268,7 @@
         </p:blipFill>
         <p:spPr>
           <a:xfrm>
-            <a:off x="4511824" y="3115304"/>
+            <a:off x="4511824" y="4007964"/>
             <a:ext cx="144016" cy="195337"/>
           </a:xfrm>
           <a:prstGeom prst="rect">
@@ -37559,7 +40303,7 @@
         </p:blipFill>
         <p:spPr>
           <a:xfrm>
-            <a:off x="3647728" y="3352645"/>
+            <a:off x="3647728" y="4203301"/>
             <a:ext cx="116716" cy="195337"/>
           </a:xfrm>
           <a:prstGeom prst="rect">
@@ -37594,7 +40338,7 @@
         </p:blipFill>
         <p:spPr>
           <a:xfrm>
-            <a:off x="4871864" y="3365276"/>
+            <a:off x="4799856" y="4228565"/>
             <a:ext cx="126915" cy="170073"/>
           </a:xfrm>
           <a:prstGeom prst="rect">
@@ -37629,7 +40373,7 @@
         </p:blipFill>
         <p:spPr>
           <a:xfrm>
-            <a:off x="3287688" y="2420888"/>
+            <a:off x="3143672" y="2689956"/>
             <a:ext cx="108000" cy="216000"/>
           </a:xfrm>
           <a:prstGeom prst="rect">
@@ -38271,8 +41015,8 @@
               </a:ext>
             </a:extLst>
           </p:cNvPr>
-          <p:cNvPicPr>
-            <a:picLocks noChangeAspect="1"/>
+          <p:cNvPicPr preferRelativeResize="0">
+            <a:picLocks/>
           </p:cNvPicPr>
           <p:nvPr/>
         </p:nvPicPr>
@@ -38289,8 +41033,8 @@
         </p:blipFill>
         <p:spPr>
           <a:xfrm>
-            <a:off x="91753" y="764704"/>
-            <a:ext cx="8469620" cy="4251955"/>
+            <a:off x="33567" y="764704"/>
+            <a:ext cx="8488800" cy="4320000"/>
           </a:xfrm>
           <a:prstGeom prst="rect">
             <a:avLst/>

--- a/포트폴리오 연습.pptx
+++ b/포트폴리오 연습.pptx
@@ -380,7 +380,7 @@
           <a:p>
             <a:fld id="{98FBB39A-9110-43FD-8DF2-684D1523A0BC}" type="datetime1">
               <a:rPr lang="ko-KR" altLang="en-US" smtClean="0"/>
-              <a:t>2021-02-20</a:t>
+              <a:t>2021-02-21</a:t>
             </a:fld>
             <a:endParaRPr lang="ko-KR" altLang="en-US"/>
           </a:p>
@@ -3464,7 +3464,7 @@
           <p:nvPr>
             <p:extLst>
               <p:ext uri="{D42A27DB-BD31-4B8C-83A1-F6EECF244321}">
-                <p14:modId xmlns:p14="http://schemas.microsoft.com/office/powerpoint/2010/main" val="2900363221"/>
+                <p14:modId xmlns:p14="http://schemas.microsoft.com/office/powerpoint/2010/main" val="2612895726"/>
               </p:ext>
             </p:extLst>
           </p:nvPr>
@@ -3865,7 +3865,21 @@
                           <a:latin typeface="+mn-ea"/>
                           <a:ea typeface="+mn-ea"/>
                         </a:rPr>
-                        <a:t>로그인을 하기 위한 아이디와 비밀번호를 입력 합니다</a:t>
+                        <a:t>로그인을 </a:t>
+                      </a:r>
+                      <a:r>
+                        <a:rPr lang="ko-KR" altLang="en-US" sz="850" b="0">
+                          <a:latin typeface="+mn-ea"/>
+                          <a:ea typeface="+mn-ea"/>
+                        </a:rPr>
+                        <a:t>하기 위해 </a:t>
+                      </a:r>
+                      <a:r>
+                        <a:rPr lang="ko-KR" altLang="en-US" sz="850" b="0" dirty="0">
+                          <a:latin typeface="+mn-ea"/>
+                          <a:ea typeface="+mn-ea"/>
+                        </a:rPr>
+                        <a:t>아이디와 비밀번호를 입력 합니다</a:t>
                       </a:r>
                       <a:r>
                         <a:rPr lang="en-US" altLang="ko-KR" sz="850" b="0" dirty="0">
@@ -40207,15 +40221,15 @@
       </p:sp>
       <p:pic>
         <p:nvPicPr>
-          <p:cNvPr id="6" name="그림 5">
+          <p:cNvPr id="3" name="그림 2">
             <a:extLst>
               <a:ext uri="{FF2B5EF4-FFF2-40B4-BE49-F238E27FC236}">
-                <a16:creationId xmlns:a16="http://schemas.microsoft.com/office/drawing/2014/main" id="{0B1FA06C-9E24-430B-A878-7AEE4AE41C09}"/>
+                <a16:creationId xmlns:a16="http://schemas.microsoft.com/office/drawing/2014/main" id="{CA90E147-DE83-4293-9854-0175EFC1AEE2}"/>
               </a:ext>
             </a:extLst>
           </p:cNvPr>
-          <p:cNvPicPr>
-            <a:picLocks noChangeAspect="1"/>
+          <p:cNvPicPr preferRelativeResize="0">
+            <a:picLocks/>
           </p:cNvPicPr>
           <p:nvPr/>
         </p:nvPicPr>
@@ -40233,8 +40247,8 @@
         </p:blipFill>
         <p:spPr>
           <a:xfrm>
-            <a:off x="39088" y="764704"/>
-            <a:ext cx="8488799" cy="4320000"/>
+            <a:off x="72573" y="764704"/>
+            <a:ext cx="8488800" cy="4320000"/>
           </a:xfrm>
           <a:prstGeom prst="rect">
             <a:avLst/>
@@ -40268,7 +40282,7 @@
         </p:blipFill>
         <p:spPr>
           <a:xfrm>
-            <a:off x="4511824" y="4007964"/>
+            <a:off x="4511824" y="4293096"/>
             <a:ext cx="144016" cy="195337"/>
           </a:xfrm>
           <a:prstGeom prst="rect">
@@ -40303,7 +40317,7 @@
         </p:blipFill>
         <p:spPr>
           <a:xfrm>
-            <a:off x="3647728" y="4203301"/>
+            <a:off x="3719736" y="4492736"/>
             <a:ext cx="116716" cy="195337"/>
           </a:xfrm>
           <a:prstGeom prst="rect">
@@ -40338,7 +40352,7 @@
         </p:blipFill>
         <p:spPr>
           <a:xfrm>
-            <a:off x="4799856" y="4228565"/>
+            <a:off x="4799856" y="4518000"/>
             <a:ext cx="126915" cy="170073"/>
           </a:xfrm>
           <a:prstGeom prst="rect">
@@ -40373,7 +40387,7 @@
         </p:blipFill>
         <p:spPr>
           <a:xfrm>
-            <a:off x="3143672" y="2689956"/>
+            <a:off x="3215680" y="2924704"/>
             <a:ext cx="108000" cy="216000"/>
           </a:xfrm>
           <a:prstGeom prst="rect">
